--- a/documents/01-初识PyQt5-01-PyQt5简介.pptx
+++ b/documents/01-初识PyQt5-01-PyQt5简介.pptx
@@ -7,7 +7,12 @@
   <p:sldIdLst>
     <p:sldId id="256" r:id="rId2"/>
     <p:sldId id="257" r:id="rId3"/>
-    <p:sldId id="258" r:id="rId4"/>
+    <p:sldId id="260" r:id="rId4"/>
+    <p:sldId id="258" r:id="rId5"/>
+    <p:sldId id="259" r:id="rId6"/>
+    <p:sldId id="261" r:id="rId7"/>
+    <p:sldId id="263" r:id="rId8"/>
+    <p:sldId id="262" r:id="rId9"/>
   </p:sldIdLst>
   <p:sldSz cx="9144000" cy="5143500" type="screen16x9"/>
   <p:notesSz cx="6858000" cy="9144000"/>
@@ -290,7 +295,7 @@
           <a:p>
             <a:fld id="{0CD714F9-B6CD-374F-91EF-5BFA48688C9B}" type="datetimeFigureOut">
               <a:rPr kumimoji="1" lang="zh-CN" altLang="en-US" smtClean="0"/>
-              <a:t>18/10/20</a:t>
+              <a:t>18/10/21</a:t>
             </a:fld>
             <a:endParaRPr kumimoji="1" lang="zh-CN" altLang="en-US"/>
           </a:p>
@@ -460,7 +465,7 @@
           <a:p>
             <a:fld id="{0CD714F9-B6CD-374F-91EF-5BFA48688C9B}" type="datetimeFigureOut">
               <a:rPr kumimoji="1" lang="zh-CN" altLang="en-US" smtClean="0"/>
-              <a:t>18/10/20</a:t>
+              <a:t>18/10/21</a:t>
             </a:fld>
             <a:endParaRPr kumimoji="1" lang="zh-CN" altLang="en-US"/>
           </a:p>
@@ -640,7 +645,7 @@
           <a:p>
             <a:fld id="{0CD714F9-B6CD-374F-91EF-5BFA48688C9B}" type="datetimeFigureOut">
               <a:rPr kumimoji="1" lang="zh-CN" altLang="en-US" smtClean="0"/>
-              <a:t>18/10/20</a:t>
+              <a:t>18/10/21</a:t>
             </a:fld>
             <a:endParaRPr kumimoji="1" lang="zh-CN" altLang="en-US"/>
           </a:p>
@@ -810,7 +815,7 @@
           <a:p>
             <a:fld id="{0CD714F9-B6CD-374F-91EF-5BFA48688C9B}" type="datetimeFigureOut">
               <a:rPr kumimoji="1" lang="zh-CN" altLang="en-US" smtClean="0"/>
-              <a:t>18/10/20</a:t>
+              <a:t>18/10/21</a:t>
             </a:fld>
             <a:endParaRPr kumimoji="1" lang="zh-CN" altLang="en-US"/>
           </a:p>
@@ -1056,7 +1061,7 @@
           <a:p>
             <a:fld id="{0CD714F9-B6CD-374F-91EF-5BFA48688C9B}" type="datetimeFigureOut">
               <a:rPr kumimoji="1" lang="zh-CN" altLang="en-US" smtClean="0"/>
-              <a:t>18/10/20</a:t>
+              <a:t>18/10/21</a:t>
             </a:fld>
             <a:endParaRPr kumimoji="1" lang="zh-CN" altLang="en-US"/>
           </a:p>
@@ -1344,7 +1349,7 @@
           <a:p>
             <a:fld id="{0CD714F9-B6CD-374F-91EF-5BFA48688C9B}" type="datetimeFigureOut">
               <a:rPr kumimoji="1" lang="zh-CN" altLang="en-US" smtClean="0"/>
-              <a:t>18/10/20</a:t>
+              <a:t>18/10/21</a:t>
             </a:fld>
             <a:endParaRPr kumimoji="1" lang="zh-CN" altLang="en-US"/>
           </a:p>
@@ -1771,7 +1776,7 @@
           <a:p>
             <a:fld id="{0CD714F9-B6CD-374F-91EF-5BFA48688C9B}" type="datetimeFigureOut">
               <a:rPr kumimoji="1" lang="zh-CN" altLang="en-US" smtClean="0"/>
-              <a:t>18/10/20</a:t>
+              <a:t>18/10/21</a:t>
             </a:fld>
             <a:endParaRPr kumimoji="1" lang="zh-CN" altLang="en-US"/>
           </a:p>
@@ -1889,7 +1894,7 @@
           <a:p>
             <a:fld id="{0CD714F9-B6CD-374F-91EF-5BFA48688C9B}" type="datetimeFigureOut">
               <a:rPr kumimoji="1" lang="zh-CN" altLang="en-US" smtClean="0"/>
-              <a:t>18/10/20</a:t>
+              <a:t>18/10/21</a:t>
             </a:fld>
             <a:endParaRPr kumimoji="1" lang="zh-CN" altLang="en-US"/>
           </a:p>
@@ -1984,7 +1989,7 @@
           <a:p>
             <a:fld id="{0CD714F9-B6CD-374F-91EF-5BFA48688C9B}" type="datetimeFigureOut">
               <a:rPr kumimoji="1" lang="zh-CN" altLang="en-US" smtClean="0"/>
-              <a:t>18/10/20</a:t>
+              <a:t>18/10/21</a:t>
             </a:fld>
             <a:endParaRPr kumimoji="1" lang="zh-CN" altLang="en-US"/>
           </a:p>
@@ -2261,7 +2266,7 @@
           <a:p>
             <a:fld id="{0CD714F9-B6CD-374F-91EF-5BFA48688C9B}" type="datetimeFigureOut">
               <a:rPr kumimoji="1" lang="zh-CN" altLang="en-US" smtClean="0"/>
-              <a:t>18/10/20</a:t>
+              <a:t>18/10/21</a:t>
             </a:fld>
             <a:endParaRPr kumimoji="1" lang="zh-CN" altLang="en-US"/>
           </a:p>
@@ -2514,7 +2519,7 @@
           <a:p>
             <a:fld id="{0CD714F9-B6CD-374F-91EF-5BFA48688C9B}" type="datetimeFigureOut">
               <a:rPr kumimoji="1" lang="zh-CN" altLang="en-US" smtClean="0"/>
-              <a:t>18/10/20</a:t>
+              <a:t>18/10/21</a:t>
             </a:fld>
             <a:endParaRPr kumimoji="1" lang="zh-CN" altLang="en-US"/>
           </a:p>
@@ -2727,7 +2732,7 @@
           <a:p>
             <a:fld id="{0CD714F9-B6CD-374F-91EF-5BFA48688C9B}" type="datetimeFigureOut">
               <a:rPr kumimoji="1" lang="zh-CN" altLang="en-US" smtClean="0"/>
-              <a:t>18/10/20</a:t>
+              <a:t>18/10/21</a:t>
             </a:fld>
             <a:endParaRPr kumimoji="1" lang="zh-CN" altLang="en-US"/>
           </a:p>
@@ -3119,11 +3124,7 @@
           <a:p>
             <a:r>
               <a:rPr kumimoji="1" lang="en-US" altLang="zh-CN" dirty="0" smtClean="0"/>
-              <a:t>PyQt</a:t>
-            </a:r>
-            <a:r>
-              <a:rPr kumimoji="1" lang="en-US" altLang="zh-CN" dirty="0" smtClean="0"/>
-              <a:t>5</a:t>
+              <a:t>PyQt5</a:t>
             </a:r>
             <a:r>
               <a:rPr kumimoji="1" lang="zh-CN" altLang="en-US" dirty="0" smtClean="0"/>
@@ -3236,7 +3237,7 @@
         <p:spPr>
           <a:xfrm>
             <a:off x="688434" y="1552536"/>
-            <a:ext cx="7772400" cy="1712227"/>
+            <a:ext cx="7772400" cy="2011747"/>
           </a:xfrm>
           <a:prstGeom prst="rect">
             <a:avLst/>
@@ -3244,7 +3245,7 @@
         </p:spPr>
         <p:txBody>
           <a:bodyPr vert="horz" lIns="91440" tIns="45720" rIns="91440" bIns="45720" rtlCol="0" anchor="ctr">
-            <a:normAutofit/>
+            <a:normAutofit fontScale="92500"/>
           </a:bodyPr>
           <a:lstStyle>
             <a:lvl1pPr algn="ctr" defTabSz="457200" rtl="0" eaLnBrk="1" latinLnBrk="0" hangingPunct="1">
@@ -3338,7 +3339,15 @@
             </a:r>
             <a:r>
               <a:rPr kumimoji="1" lang="zh-CN" altLang="en-US" sz="2400" dirty="0" smtClean="0"/>
-              <a:t>语言编写，所以</a:t>
+              <a:t>语言编写，</a:t>
+            </a:r>
+            <a:r>
+              <a:rPr kumimoji="1" lang="zh-CN" altLang="en-US" sz="2400" dirty="0" smtClean="0"/>
+              <a:t>所以</a:t>
+            </a:r>
+            <a:r>
+              <a:rPr kumimoji="1" lang="zh-CN" altLang="en-US" sz="2400" dirty="0" smtClean="0"/>
+              <a:t>使用</a:t>
             </a:r>
             <a:r>
               <a:rPr kumimoji="1" lang="en-US" altLang="zh-CN" sz="2400" dirty="0" err="1" smtClean="0"/>
@@ -3346,9 +3355,45 @@
             </a:r>
             <a:r>
               <a:rPr kumimoji="1" lang="zh-CN" altLang="en-US" sz="2400" dirty="0" smtClean="0"/>
-              <a:t>的界面风格与当前操作系统完全相同，而且运行效率很高。</a:t>
-            </a:r>
-            <a:endParaRPr kumimoji="1" lang="zh-CN" altLang="en-US" sz="2400" dirty="0"/>
+              <a:t>开发的</a:t>
+            </a:r>
+            <a:r>
+              <a:rPr kumimoji="1" lang="en-US" altLang="zh-CN" sz="2400" dirty="0" smtClean="0"/>
+              <a:t>GUI</a:t>
+            </a:r>
+            <a:r>
+              <a:rPr kumimoji="1" lang="zh-CN" altLang="en-US" sz="2400" dirty="0" smtClean="0"/>
+              <a:t>程序</a:t>
+            </a:r>
+            <a:r>
+              <a:rPr kumimoji="1" lang="zh-CN" altLang="en-US" sz="2400" dirty="0" smtClean="0"/>
+              <a:t>的界面风</a:t>
+            </a:r>
+            <a:r>
+              <a:rPr kumimoji="1" lang="zh-CN" altLang="en-US" sz="2400" dirty="0" smtClean="0"/>
+              <a:t>格与当前操作系统完全相同，而且运行效率很高。</a:t>
+            </a:r>
+            <a:endParaRPr kumimoji="1" lang="en-US" altLang="zh-CN" sz="2400" dirty="0" smtClean="0"/>
+          </a:p>
+          <a:p>
+            <a:pPr algn="l"/>
+            <a:endParaRPr kumimoji="1" lang="en-US" altLang="zh-CN" sz="2400" dirty="0"/>
+          </a:p>
+          <a:p>
+            <a:pPr algn="l"/>
+            <a:r>
+              <a:rPr kumimoji="1" lang="en-US" altLang="zh-CN" sz="2400" dirty="0" smtClean="0"/>
+              <a:t>GUI</a:t>
+            </a:r>
+            <a:r>
+              <a:rPr kumimoji="1" lang="zh-CN" altLang="en-US" sz="2400" dirty="0" smtClean="0"/>
+              <a:t>：带图形用户接口的程序，也就是我们经常说的桌面应用。</a:t>
+            </a:r>
+            <a:endParaRPr kumimoji="1" lang="en-US" altLang="zh-CN" sz="2400" dirty="0" smtClean="0"/>
+          </a:p>
+          <a:p>
+            <a:pPr algn="l"/>
+            <a:endParaRPr kumimoji="1" lang="en-US" altLang="zh-CN" sz="2400" dirty="0"/>
           </a:p>
         </p:txBody>
       </p:sp>
@@ -3373,6 +3418,314 @@
 </file>
 
 <file path=ppt/slides/slide3.xml><?xml version="1.0" encoding="utf-8"?>
+<p:sld xmlns:a="http://schemas.openxmlformats.org/drawingml/2006/main" xmlns:r="http://schemas.openxmlformats.org/officeDocument/2006/relationships" xmlns:p="http://schemas.openxmlformats.org/presentationml/2006/main">
+  <p:cSld>
+    <p:spTree>
+      <p:nvGrpSpPr>
+        <p:cNvPr id="1" name=""/>
+        <p:cNvGrpSpPr/>
+        <p:nvPr/>
+      </p:nvGrpSpPr>
+      <p:grpSpPr>
+        <a:xfrm>
+          <a:off x="0" y="0"/>
+          <a:ext cx="0" cy="0"/>
+          <a:chOff x="0" y="0"/>
+          <a:chExt cx="0" cy="0"/>
+        </a:xfrm>
+      </p:grpSpPr>
+      <p:sp>
+        <p:nvSpPr>
+          <p:cNvPr id="2" name="标题 1"/>
+          <p:cNvSpPr>
+            <a:spLocks noGrp="1"/>
+          </p:cNvSpPr>
+          <p:nvPr>
+            <p:ph type="ctrTitle"/>
+          </p:nvPr>
+        </p:nvSpPr>
+        <p:spPr>
+          <a:xfrm>
+            <a:off x="536034" y="243991"/>
+            <a:ext cx="7772400" cy="1102519"/>
+          </a:xfrm>
+        </p:spPr>
+        <p:txBody>
+          <a:bodyPr/>
+          <a:lstStyle/>
+          <a:p>
+            <a:r>
+              <a:rPr kumimoji="1" lang="en-US" altLang="zh-CN" dirty="0" err="1" smtClean="0"/>
+              <a:t>Qt</a:t>
+            </a:r>
+            <a:r>
+              <a:rPr kumimoji="1" lang="zh-CN" altLang="en-US" dirty="0" smtClean="0"/>
+              <a:t>的历史</a:t>
+            </a:r>
+            <a:endParaRPr kumimoji="1" lang="zh-CN" altLang="en-US" dirty="0"/>
+          </a:p>
+        </p:txBody>
+      </p:sp>
+      <p:sp>
+        <p:nvSpPr>
+          <p:cNvPr id="5" name="标题 1"/>
+          <p:cNvSpPr txBox="1">
+            <a:spLocks/>
+          </p:cNvSpPr>
+          <p:nvPr/>
+        </p:nvSpPr>
+        <p:spPr>
+          <a:xfrm>
+            <a:off x="688434" y="1552536"/>
+            <a:ext cx="7772400" cy="2622767"/>
+          </a:xfrm>
+          <a:prstGeom prst="rect">
+            <a:avLst/>
+          </a:prstGeom>
+        </p:spPr>
+        <p:txBody>
+          <a:bodyPr vert="horz" lIns="91440" tIns="45720" rIns="91440" bIns="45720" rtlCol="0" anchor="ctr">
+            <a:normAutofit/>
+          </a:bodyPr>
+          <a:lstStyle>
+            <a:lvl1pPr algn="ctr" defTabSz="457200" rtl="0" eaLnBrk="1" latinLnBrk="0" hangingPunct="1">
+              <a:spcBef>
+                <a:spcPct val="0"/>
+              </a:spcBef>
+              <a:buNone/>
+              <a:defRPr sz="4400" kern="1200">
+                <a:solidFill>
+                  <a:schemeClr val="tx1"/>
+                </a:solidFill>
+                <a:latin typeface="+mj-lt"/>
+                <a:ea typeface="+mj-ea"/>
+                <a:cs typeface="+mj-cs"/>
+              </a:defRPr>
+            </a:lvl1pPr>
+          </a:lstStyle>
+          <a:p>
+            <a:pPr algn="l"/>
+            <a:r>
+              <a:rPr kumimoji="1" lang="en-US" altLang="zh-CN" sz="1800" dirty="0" smtClean="0"/>
+              <a:t>          </a:t>
+            </a:r>
+            <a:r>
+              <a:rPr kumimoji="1" lang="en-US" altLang="zh-CN" sz="1800" dirty="0" err="1" smtClean="0"/>
+              <a:t>Qt</a:t>
+            </a:r>
+            <a:r>
+              <a:rPr kumimoji="1" lang="zh-CN" altLang="en-US" sz="1800" dirty="0" smtClean="0"/>
+              <a:t>是挪威的一家名为</a:t>
+            </a:r>
+            <a:r>
+              <a:rPr kumimoji="1" lang="en-US" altLang="zh-CN" sz="1800" dirty="0" err="1" smtClean="0"/>
+              <a:t>Trolltech</a:t>
+            </a:r>
+            <a:r>
+              <a:rPr kumimoji="1" lang="zh-CN" altLang="en-US" sz="1800" dirty="0" smtClean="0"/>
+              <a:t>（奇趣科技）的公司开发的一个</a:t>
+            </a:r>
+            <a:r>
+              <a:rPr kumimoji="1" lang="en-US" altLang="zh-CN" sz="1800" dirty="0" smtClean="0"/>
+              <a:t>C++</a:t>
+            </a:r>
+            <a:r>
+              <a:rPr kumimoji="1" lang="zh-CN" altLang="en-US" sz="1800" dirty="0" smtClean="0"/>
+              <a:t> </a:t>
+            </a:r>
+            <a:r>
+              <a:rPr kumimoji="1" lang="en-US" altLang="zh-CN" sz="1800" dirty="0" smtClean="0"/>
+              <a:t>GUI</a:t>
+            </a:r>
+            <a:r>
+              <a:rPr kumimoji="1" lang="zh-CN" altLang="en-US" sz="1800" dirty="0" smtClean="0"/>
+              <a:t>工具集，其中包括跨平台类库、集成开发工具和跨平台</a:t>
+            </a:r>
+            <a:r>
+              <a:rPr kumimoji="1" lang="en-US" altLang="zh-CN" sz="1800" dirty="0" smtClean="0"/>
+              <a:t>IDE</a:t>
+            </a:r>
+            <a:r>
+              <a:rPr kumimoji="1" lang="zh-CN" altLang="en-US" sz="1800" dirty="0" smtClean="0"/>
+              <a:t>，既可以用于开发</a:t>
+            </a:r>
+            <a:r>
+              <a:rPr kumimoji="1" lang="en-US" altLang="zh-CN" sz="1800" dirty="0" smtClean="0"/>
+              <a:t>GUI</a:t>
+            </a:r>
+            <a:r>
+              <a:rPr kumimoji="1" lang="zh-CN" altLang="en-US" sz="1800" dirty="0" smtClean="0"/>
+              <a:t>程序，也可以用于开发非</a:t>
+            </a:r>
+            <a:r>
+              <a:rPr kumimoji="1" lang="en-US" altLang="zh-CN" sz="1800" dirty="0" smtClean="0"/>
+              <a:t>GUI</a:t>
+            </a:r>
+            <a:r>
+              <a:rPr kumimoji="1" lang="zh-CN" altLang="en-US" sz="1800" dirty="0" smtClean="0"/>
+              <a:t>程序。使用</a:t>
+            </a:r>
+            <a:r>
+              <a:rPr kumimoji="1" lang="en-US" altLang="zh-CN" sz="1800" dirty="0" err="1" smtClean="0"/>
+              <a:t>Qt</a:t>
+            </a:r>
+            <a:r>
+              <a:rPr kumimoji="1" lang="zh-CN" altLang="en-US" sz="1800" dirty="0" smtClean="0"/>
+              <a:t>开发的代码只需要在不同的操作系统平台上重新编译，就可以在该平台上运行。也就是说，用</a:t>
+            </a:r>
+            <a:r>
+              <a:rPr kumimoji="1" lang="en-US" altLang="zh-CN" sz="1800" dirty="0" err="1" smtClean="0"/>
+              <a:t>Qt</a:t>
+            </a:r>
+            <a:r>
+              <a:rPr kumimoji="1" lang="zh-CN" altLang="en-US" sz="1800" dirty="0" smtClean="0"/>
+              <a:t>开发的程序的跨平台模式是源代码级的。</a:t>
+            </a:r>
+            <a:endParaRPr kumimoji="1" lang="en-US" altLang="zh-CN" sz="1800" dirty="0" smtClean="0"/>
+          </a:p>
+          <a:p>
+            <a:pPr algn="l"/>
+            <a:endParaRPr kumimoji="1" lang="en-US" altLang="zh-CN" sz="1800" dirty="0"/>
+          </a:p>
+          <a:p>
+            <a:pPr algn="l"/>
+            <a:r>
+              <a:rPr kumimoji="1" lang="zh-CN" altLang="zh-CN" sz="1800" dirty="0" smtClean="0"/>
+              <a:t> </a:t>
+            </a:r>
+            <a:r>
+              <a:rPr kumimoji="1" lang="zh-CN" altLang="en-US" sz="1800" dirty="0" smtClean="0"/>
+              <a:t>    </a:t>
+            </a:r>
+            <a:r>
+              <a:rPr kumimoji="1" lang="en-US" altLang="zh-CN" sz="1800" dirty="0" smtClean="0"/>
+              <a:t>2008</a:t>
+            </a:r>
+            <a:r>
+              <a:rPr kumimoji="1" lang="zh-CN" altLang="en-US" sz="1800" dirty="0" smtClean="0"/>
+              <a:t>年</a:t>
+            </a:r>
+            <a:r>
+              <a:rPr kumimoji="1" lang="en-US" altLang="zh-CN" sz="1800" dirty="0" smtClean="0"/>
+              <a:t>6</a:t>
+            </a:r>
+            <a:r>
+              <a:rPr kumimoji="1" lang="zh-CN" altLang="en-US" sz="1800" dirty="0" smtClean="0"/>
+              <a:t>月，</a:t>
+            </a:r>
+            <a:r>
+              <a:rPr kumimoji="1" lang="en-US" altLang="zh-CN" sz="1800" dirty="0" err="1" smtClean="0"/>
+              <a:t>Trolltech</a:t>
+            </a:r>
+            <a:r>
+              <a:rPr kumimoji="1" lang="zh-CN" altLang="en-US" sz="1800" dirty="0" smtClean="0"/>
+              <a:t>公司被</a:t>
+            </a:r>
+            <a:r>
+              <a:rPr kumimoji="1" lang="en-US" altLang="zh-CN" sz="1800" dirty="0" smtClean="0"/>
+              <a:t>Nokia</a:t>
+            </a:r>
+            <a:r>
+              <a:rPr kumimoji="1" lang="zh-CN" altLang="en-US" sz="1800" dirty="0" smtClean="0"/>
+              <a:t>（诺基亚）收购，</a:t>
+            </a:r>
+            <a:r>
+              <a:rPr kumimoji="1" lang="en-US" altLang="zh-CN" sz="1800" dirty="0" smtClean="0"/>
+              <a:t>2012</a:t>
+            </a:r>
+            <a:r>
+              <a:rPr kumimoji="1" lang="zh-CN" altLang="en-US" sz="1800" dirty="0" smtClean="0"/>
+              <a:t>年</a:t>
+            </a:r>
+            <a:r>
+              <a:rPr kumimoji="1" lang="en-US" altLang="zh-CN" sz="1800" dirty="0" smtClean="0"/>
+              <a:t>8</a:t>
+            </a:r>
+            <a:r>
+              <a:rPr kumimoji="1" lang="zh-CN" altLang="en-US" sz="1800" dirty="0" smtClean="0"/>
+              <a:t>月，芬兰的</a:t>
+            </a:r>
+            <a:r>
+              <a:rPr kumimoji="1" lang="en-US" altLang="zh-CN" sz="1800" dirty="0" err="1" smtClean="0"/>
+              <a:t>Digia</a:t>
+            </a:r>
+            <a:r>
+              <a:rPr kumimoji="1" lang="zh-CN" altLang="en-US" sz="1800" dirty="0" smtClean="0"/>
+              <a:t>公司从</a:t>
+            </a:r>
+            <a:r>
+              <a:rPr kumimoji="1" lang="en-US" altLang="zh-CN" sz="1800" dirty="0" smtClean="0"/>
+              <a:t>Nokia</a:t>
+            </a:r>
+            <a:r>
+              <a:rPr kumimoji="1" lang="zh-CN" altLang="en-US" sz="1800" dirty="0" smtClean="0"/>
+              <a:t>收购了</a:t>
+            </a:r>
+            <a:r>
+              <a:rPr kumimoji="1" lang="en-US" altLang="zh-CN" sz="1800" dirty="0" err="1" smtClean="0"/>
+              <a:t>Qt</a:t>
+            </a:r>
+            <a:r>
+              <a:rPr kumimoji="1" lang="zh-CN" altLang="en-US" sz="1800" dirty="0" smtClean="0"/>
+              <a:t>业务。目前</a:t>
+            </a:r>
+            <a:r>
+              <a:rPr kumimoji="1" lang="en-US" altLang="zh-CN" sz="1800" dirty="0" err="1" smtClean="0"/>
+              <a:t>Qt</a:t>
+            </a:r>
+            <a:r>
+              <a:rPr kumimoji="1" lang="zh-CN" altLang="en-US" sz="1800" dirty="0" smtClean="0"/>
+              <a:t>既有开源版本，也有商业版本。</a:t>
+            </a:r>
+            <a:r>
+              <a:rPr kumimoji="1" lang="en-US" altLang="zh-CN" sz="1800" dirty="0" err="1" smtClean="0"/>
+              <a:t>Digia</a:t>
+            </a:r>
+            <a:r>
+              <a:rPr kumimoji="1" lang="zh-CN" altLang="en-US" sz="1800" dirty="0" smtClean="0"/>
+              <a:t>通过开发授权（</a:t>
+            </a:r>
+            <a:r>
+              <a:rPr kumimoji="1" lang="en-US" altLang="zh-CN" sz="1800" dirty="0" smtClean="0"/>
+              <a:t>LGPL</a:t>
+            </a:r>
+            <a:r>
+              <a:rPr kumimoji="1" lang="zh-CN" altLang="en-US" sz="1800" dirty="0" smtClean="0"/>
+              <a:t>）以及商业授权的方式对</a:t>
+            </a:r>
+            <a:r>
+              <a:rPr kumimoji="1" lang="en-US" altLang="zh-CN" sz="1800" dirty="0" err="1" smtClean="0"/>
+              <a:t>Qt</a:t>
+            </a:r>
+            <a:r>
+              <a:rPr kumimoji="1" lang="zh-CN" altLang="en-US" sz="1800" dirty="0" smtClean="0"/>
+              <a:t>进行授权。</a:t>
+            </a:r>
+            <a:endParaRPr kumimoji="1" lang="en-US" altLang="zh-CN" sz="1800" dirty="0" smtClean="0"/>
+          </a:p>
+        </p:txBody>
+      </p:sp>
+    </p:spTree>
+    <p:extLst>
+      <p:ext uri="{BB962C8B-B14F-4D97-AF65-F5344CB8AC3E}">
+        <p14:creationId xmlns:p14="http://schemas.microsoft.com/office/powerpoint/2010/main" val="215468431"/>
+      </p:ext>
+    </p:extLst>
+  </p:cSld>
+  <p:clrMapOvr>
+    <a:masterClrMapping/>
+  </p:clrMapOvr>
+  <p:timing>
+    <p:tnLst>
+      <p:par>
+        <p:cTn xmlns:p14="http://schemas.microsoft.com/office/powerpoint/2010/main" id="1" dur="indefinite" restart="never" nodeType="tmRoot"/>
+      </p:par>
+    </p:tnLst>
+  </p:timing>
+</p:sld>
+</file>
+
+<file path=ppt/slides/slide4.xml><?xml version="1.0" encoding="utf-8"?>
 <p:sld xmlns:a="http://schemas.openxmlformats.org/drawingml/2006/main" xmlns:r="http://schemas.openxmlformats.org/officeDocument/2006/relationships" xmlns:p="http://schemas.openxmlformats.org/presentationml/2006/main">
   <p:cSld>
     <p:spTree>
@@ -3473,6 +3826,1116 @@
     <p:extLst>
       <p:ext uri="{BB962C8B-B14F-4D97-AF65-F5344CB8AC3E}">
         <p14:creationId xmlns:p14="http://schemas.microsoft.com/office/powerpoint/2010/main" val="3750559594"/>
+      </p:ext>
+    </p:extLst>
+  </p:cSld>
+  <p:clrMapOvr>
+    <a:masterClrMapping/>
+  </p:clrMapOvr>
+  <p:timing>
+    <p:tnLst>
+      <p:par>
+        <p:cTn xmlns:p14="http://schemas.microsoft.com/office/powerpoint/2010/main" id="1" dur="indefinite" restart="never" nodeType="tmRoot"/>
+      </p:par>
+    </p:tnLst>
+  </p:timing>
+</p:sld>
+</file>
+
+<file path=ppt/slides/slide5.xml><?xml version="1.0" encoding="utf-8"?>
+<p:sld xmlns:a="http://schemas.openxmlformats.org/drawingml/2006/main" xmlns:r="http://schemas.openxmlformats.org/officeDocument/2006/relationships" xmlns:p="http://schemas.openxmlformats.org/presentationml/2006/main">
+  <p:cSld>
+    <p:spTree>
+      <p:nvGrpSpPr>
+        <p:cNvPr id="1" name=""/>
+        <p:cNvGrpSpPr/>
+        <p:nvPr/>
+      </p:nvGrpSpPr>
+      <p:grpSpPr>
+        <a:xfrm>
+          <a:off x="0" y="0"/>
+          <a:ext cx="0" cy="0"/>
+          <a:chOff x="0" y="0"/>
+          <a:chExt cx="0" cy="0"/>
+        </a:xfrm>
+      </p:grpSpPr>
+      <p:sp>
+        <p:nvSpPr>
+          <p:cNvPr id="2" name="标题 1"/>
+          <p:cNvSpPr>
+            <a:spLocks noGrp="1"/>
+          </p:cNvSpPr>
+          <p:nvPr>
+            <p:ph type="ctrTitle"/>
+          </p:nvPr>
+        </p:nvSpPr>
+        <p:spPr>
+          <a:xfrm>
+            <a:off x="536034" y="243991"/>
+            <a:ext cx="7772400" cy="1102519"/>
+          </a:xfrm>
+        </p:spPr>
+        <p:txBody>
+          <a:bodyPr/>
+          <a:lstStyle/>
+          <a:p>
+            <a:r>
+              <a:rPr kumimoji="1" lang="zh-CN" altLang="en-US" dirty="0" smtClean="0"/>
+              <a:t>什么是</a:t>
+            </a:r>
+            <a:r>
+              <a:rPr kumimoji="1" lang="en-US" altLang="zh-CN" dirty="0" err="1" smtClean="0"/>
+              <a:t>PyQt</a:t>
+            </a:r>
+            <a:endParaRPr kumimoji="1" lang="zh-CN" altLang="en-US" dirty="0"/>
+          </a:p>
+        </p:txBody>
+      </p:sp>
+      <p:sp>
+        <p:nvSpPr>
+          <p:cNvPr id="5" name="标题 1"/>
+          <p:cNvSpPr txBox="1">
+            <a:spLocks/>
+          </p:cNvSpPr>
+          <p:nvPr/>
+        </p:nvSpPr>
+        <p:spPr>
+          <a:xfrm>
+            <a:off x="688434" y="1552536"/>
+            <a:ext cx="7772400" cy="3590964"/>
+          </a:xfrm>
+          <a:prstGeom prst="rect">
+            <a:avLst/>
+          </a:prstGeom>
+        </p:spPr>
+        <p:txBody>
+          <a:bodyPr vert="horz" lIns="91440" tIns="45720" rIns="91440" bIns="45720" rtlCol="0" anchor="ctr">
+            <a:normAutofit/>
+          </a:bodyPr>
+          <a:lstStyle>
+            <a:lvl1pPr algn="ctr" defTabSz="457200" rtl="0" eaLnBrk="1" latinLnBrk="0" hangingPunct="1">
+              <a:spcBef>
+                <a:spcPct val="0"/>
+              </a:spcBef>
+              <a:buNone/>
+              <a:defRPr sz="4400" kern="1200">
+                <a:solidFill>
+                  <a:schemeClr val="tx1"/>
+                </a:solidFill>
+                <a:latin typeface="+mj-lt"/>
+                <a:ea typeface="+mj-ea"/>
+                <a:cs typeface="+mj-cs"/>
+              </a:defRPr>
+            </a:lvl1pPr>
+          </a:lstStyle>
+          <a:p>
+            <a:pPr algn="l"/>
+            <a:r>
+              <a:rPr kumimoji="1" lang="zh-CN" altLang="en-US" sz="2000" dirty="0" smtClean="0"/>
+              <a:t>     </a:t>
+            </a:r>
+            <a:r>
+              <a:rPr kumimoji="1" lang="en-US" altLang="zh-CN" sz="2000" dirty="0" err="1" smtClean="0"/>
+              <a:t>PyQt</a:t>
+            </a:r>
+            <a:r>
+              <a:rPr kumimoji="1" lang="zh-CN" altLang="en-US" sz="2000" dirty="0" smtClean="0"/>
+              <a:t>是一个用于创建</a:t>
+            </a:r>
+            <a:r>
+              <a:rPr kumimoji="1" lang="en-US" altLang="zh-CN" sz="2000" dirty="0" smtClean="0"/>
+              <a:t>GUI</a:t>
+            </a:r>
+            <a:r>
+              <a:rPr kumimoji="1" lang="zh-CN" altLang="en-US" sz="2000" dirty="0" smtClean="0"/>
+              <a:t>应用程序的跨平台工具包，它将</a:t>
+            </a:r>
+            <a:r>
+              <a:rPr kumimoji="1" lang="en-US" altLang="zh-CN" sz="2000" dirty="0" smtClean="0"/>
+              <a:t>Python</a:t>
+            </a:r>
+            <a:r>
+              <a:rPr kumimoji="1" lang="zh-CN" altLang="en-US" sz="2000" dirty="0" smtClean="0"/>
+              <a:t>与</a:t>
+            </a:r>
+            <a:r>
+              <a:rPr kumimoji="1" lang="en-US" altLang="zh-CN" sz="2000" dirty="0" err="1" smtClean="0"/>
+              <a:t>Qt</a:t>
+            </a:r>
+            <a:r>
+              <a:rPr kumimoji="1" lang="zh-CN" altLang="en-US" sz="2000" dirty="0" smtClean="0"/>
+              <a:t>库融为一体。也就是说，</a:t>
+            </a:r>
+            <a:r>
+              <a:rPr kumimoji="1" lang="en-US" altLang="zh-CN" sz="2000" dirty="0" err="1" smtClean="0"/>
+              <a:t>PyQt</a:t>
+            </a:r>
+            <a:r>
+              <a:rPr kumimoji="1" lang="zh-CN" altLang="en-US" sz="2000" dirty="0" smtClean="0"/>
+              <a:t>允许使用</a:t>
+            </a:r>
+            <a:r>
+              <a:rPr kumimoji="1" lang="en-US" altLang="zh-CN" sz="2000" dirty="0" smtClean="0"/>
+              <a:t>Python</a:t>
+            </a:r>
+            <a:r>
+              <a:rPr kumimoji="1" lang="zh-CN" altLang="en-US" sz="2000" dirty="0" smtClean="0"/>
+              <a:t>语言调用</a:t>
+            </a:r>
+            <a:r>
+              <a:rPr kumimoji="1" lang="en-US" altLang="zh-CN" sz="2000" dirty="0" err="1" smtClean="0"/>
+              <a:t>Qt</a:t>
+            </a:r>
+            <a:r>
+              <a:rPr kumimoji="1" lang="zh-CN" altLang="en-US" sz="2000" dirty="0" smtClean="0"/>
+              <a:t>库中的</a:t>
+            </a:r>
+            <a:r>
+              <a:rPr kumimoji="1" lang="en-US" altLang="zh-CN" sz="2000" dirty="0" smtClean="0"/>
+              <a:t>API</a:t>
+            </a:r>
+            <a:r>
+              <a:rPr kumimoji="1" lang="zh-CN" altLang="en-US" sz="2000" dirty="0" smtClean="0"/>
+              <a:t>。这样做的最大好处就是在保留了</a:t>
+            </a:r>
+            <a:r>
+              <a:rPr kumimoji="1" lang="en-US" altLang="zh-CN" sz="2000" dirty="0" err="1" smtClean="0"/>
+              <a:t>Qt</a:t>
+            </a:r>
+            <a:r>
+              <a:rPr kumimoji="1" lang="zh-CN" altLang="en-US" sz="2000" dirty="0" smtClean="0"/>
+              <a:t>高运行效率的同时，大大提高了开发效率。因为，使用</a:t>
+            </a:r>
+            <a:r>
+              <a:rPr kumimoji="1" lang="en-US" altLang="zh-CN" sz="2000" dirty="0" smtClean="0"/>
+              <a:t>Python</a:t>
+            </a:r>
+            <a:r>
+              <a:rPr kumimoji="1" lang="zh-CN" altLang="en-US" sz="2000" dirty="0" smtClean="0"/>
+              <a:t>语言开发程序要比使用</a:t>
+            </a:r>
+            <a:r>
+              <a:rPr kumimoji="1" lang="en-US" altLang="zh-CN" sz="2000" dirty="0" smtClean="0"/>
+              <a:t>C++</a:t>
+            </a:r>
+            <a:r>
+              <a:rPr kumimoji="1" lang="zh-CN" altLang="en-US" sz="2000" dirty="0" smtClean="0"/>
+              <a:t>语言开发程序快得多。</a:t>
+            </a:r>
+            <a:r>
+              <a:rPr kumimoji="1" lang="en-US" altLang="zh-CN" sz="2000" dirty="0" err="1" smtClean="0"/>
+              <a:t>PyQt</a:t>
+            </a:r>
+            <a:r>
+              <a:rPr kumimoji="1" lang="zh-CN" altLang="en-US" sz="2000" dirty="0" smtClean="0"/>
+              <a:t>对</a:t>
+            </a:r>
+            <a:r>
+              <a:rPr kumimoji="1" lang="en-US" altLang="zh-CN" sz="2000" dirty="0" err="1" smtClean="0"/>
+              <a:t>Qt</a:t>
+            </a:r>
+            <a:r>
+              <a:rPr kumimoji="1" lang="zh-CN" altLang="en-US" sz="2000" dirty="0" smtClean="0"/>
+              <a:t>做了完整的封装，几乎可以用</a:t>
+            </a:r>
+            <a:r>
+              <a:rPr kumimoji="1" lang="en-US" altLang="zh-CN" sz="2000" dirty="0" err="1" smtClean="0"/>
+              <a:t>PyQt</a:t>
+            </a:r>
+            <a:r>
+              <a:rPr kumimoji="1" lang="zh-CN" altLang="en-US" sz="2000" dirty="0" smtClean="0"/>
+              <a:t>做</a:t>
+            </a:r>
+            <a:r>
+              <a:rPr kumimoji="1" lang="en-US" altLang="zh-CN" sz="2000" dirty="0" err="1" smtClean="0"/>
+              <a:t>Qt</a:t>
+            </a:r>
+            <a:r>
+              <a:rPr kumimoji="1" lang="zh-CN" altLang="en-US" sz="2000" dirty="0" smtClean="0"/>
+              <a:t>能做的任何事情。</a:t>
+            </a:r>
+            <a:endParaRPr kumimoji="1" lang="en-US" altLang="zh-CN" sz="2000" dirty="0" smtClean="0"/>
+          </a:p>
+          <a:p>
+            <a:pPr algn="l"/>
+            <a:endParaRPr kumimoji="1" lang="en-US" altLang="zh-CN" sz="2000" dirty="0" smtClean="0"/>
+          </a:p>
+          <a:p>
+            <a:pPr algn="l"/>
+            <a:r>
+              <a:rPr kumimoji="1" lang="zh-CN" altLang="zh-CN" sz="2000" dirty="0"/>
+              <a:t> </a:t>
+            </a:r>
+            <a:r>
+              <a:rPr kumimoji="1" lang="zh-CN" altLang="en-US" sz="2000" dirty="0" smtClean="0"/>
+              <a:t>    由于目前最新的</a:t>
+            </a:r>
+            <a:r>
+              <a:rPr kumimoji="1" lang="en-US" altLang="zh-CN" sz="2000" dirty="0" err="1" smtClean="0"/>
+              <a:t>PyQt</a:t>
+            </a:r>
+            <a:r>
+              <a:rPr kumimoji="1" lang="zh-CN" altLang="en-US" sz="2000" dirty="0" smtClean="0"/>
+              <a:t>版本是</a:t>
+            </a:r>
+            <a:r>
+              <a:rPr kumimoji="1" lang="en-US" altLang="zh-CN" sz="2000" dirty="0" smtClean="0"/>
+              <a:t>5.11</a:t>
+            </a:r>
+            <a:r>
+              <a:rPr kumimoji="1" lang="zh-CN" altLang="en-US" sz="2000" dirty="0" smtClean="0"/>
+              <a:t>，所以习惯上成为</a:t>
+            </a:r>
+            <a:r>
+              <a:rPr kumimoji="1" lang="en-US" altLang="zh-CN" sz="2000" dirty="0" err="1" smtClean="0"/>
+              <a:t>PyQt</a:t>
+            </a:r>
+            <a:r>
+              <a:rPr kumimoji="1" lang="zh-CN" altLang="en-US" sz="2000" dirty="0" smtClean="0"/>
+              <a:t>为</a:t>
+            </a:r>
+            <a:r>
+              <a:rPr kumimoji="1" lang="en-US" altLang="zh-CN" sz="2000" dirty="0" smtClean="0"/>
+              <a:t>PyQt5</a:t>
+            </a:r>
+            <a:r>
+              <a:rPr kumimoji="1" lang="zh-CN" altLang="en-US" sz="2000" dirty="0" smtClean="0"/>
+              <a:t>。</a:t>
+            </a:r>
+            <a:endParaRPr kumimoji="1" lang="en-US" altLang="zh-CN" sz="2000" dirty="0" smtClean="0"/>
+          </a:p>
+          <a:p>
+            <a:pPr algn="l"/>
+            <a:endParaRPr kumimoji="1" lang="en-US" altLang="zh-CN" sz="2000" dirty="0" smtClean="0"/>
+          </a:p>
+          <a:p>
+            <a:pPr algn="l"/>
+            <a:endParaRPr kumimoji="1" lang="en-US" altLang="zh-CN" sz="2000" dirty="0"/>
+          </a:p>
+          <a:p>
+            <a:pPr algn="l"/>
+            <a:endParaRPr kumimoji="1" lang="zh-CN" altLang="en-US" sz="2000" dirty="0"/>
+          </a:p>
+        </p:txBody>
+      </p:sp>
+    </p:spTree>
+    <p:extLst>
+      <p:ext uri="{BB962C8B-B14F-4D97-AF65-F5344CB8AC3E}">
+        <p14:creationId xmlns:p14="http://schemas.microsoft.com/office/powerpoint/2010/main" val="159550976"/>
+      </p:ext>
+    </p:extLst>
+  </p:cSld>
+  <p:clrMapOvr>
+    <a:masterClrMapping/>
+  </p:clrMapOvr>
+  <p:timing>
+    <p:tnLst>
+      <p:par>
+        <p:cTn xmlns:p14="http://schemas.microsoft.com/office/powerpoint/2010/main" id="1" dur="indefinite" restart="never" nodeType="tmRoot"/>
+      </p:par>
+    </p:tnLst>
+  </p:timing>
+</p:sld>
+</file>
+
+<file path=ppt/slides/slide6.xml><?xml version="1.0" encoding="utf-8"?>
+<p:sld xmlns:a="http://schemas.openxmlformats.org/drawingml/2006/main" xmlns:r="http://schemas.openxmlformats.org/officeDocument/2006/relationships" xmlns:p="http://schemas.openxmlformats.org/presentationml/2006/main">
+  <p:cSld>
+    <p:spTree>
+      <p:nvGrpSpPr>
+        <p:cNvPr id="1" name=""/>
+        <p:cNvGrpSpPr/>
+        <p:nvPr/>
+      </p:nvGrpSpPr>
+      <p:grpSpPr>
+        <a:xfrm>
+          <a:off x="0" y="0"/>
+          <a:ext cx="0" cy="0"/>
+          <a:chOff x="0" y="0"/>
+          <a:chExt cx="0" cy="0"/>
+        </a:xfrm>
+      </p:grpSpPr>
+      <p:sp>
+        <p:nvSpPr>
+          <p:cNvPr id="2" name="标题 1"/>
+          <p:cNvSpPr>
+            <a:spLocks noGrp="1"/>
+          </p:cNvSpPr>
+          <p:nvPr>
+            <p:ph type="ctrTitle"/>
+          </p:nvPr>
+        </p:nvSpPr>
+        <p:spPr>
+          <a:xfrm>
+            <a:off x="536034" y="243991"/>
+            <a:ext cx="7772400" cy="1102519"/>
+          </a:xfrm>
+        </p:spPr>
+        <p:txBody>
+          <a:bodyPr/>
+          <a:lstStyle/>
+          <a:p>
+            <a:r>
+              <a:rPr kumimoji="1" lang="en-US" altLang="zh-CN" dirty="0" err="1" smtClean="0"/>
+              <a:t>PyQt</a:t>
+            </a:r>
+            <a:r>
+              <a:rPr kumimoji="1" lang="zh-CN" altLang="en-US" dirty="0" smtClean="0"/>
+              <a:t>的授权</a:t>
+            </a:r>
+            <a:endParaRPr kumimoji="1" lang="zh-CN" altLang="en-US" dirty="0"/>
+          </a:p>
+        </p:txBody>
+      </p:sp>
+      <p:sp>
+        <p:nvSpPr>
+          <p:cNvPr id="5" name="标题 1"/>
+          <p:cNvSpPr txBox="1">
+            <a:spLocks/>
+          </p:cNvSpPr>
+          <p:nvPr/>
+        </p:nvSpPr>
+        <p:spPr>
+          <a:xfrm>
+            <a:off x="688434" y="1509580"/>
+            <a:ext cx="7772400" cy="1377789"/>
+          </a:xfrm>
+          <a:prstGeom prst="rect">
+            <a:avLst/>
+          </a:prstGeom>
+        </p:spPr>
+        <p:txBody>
+          <a:bodyPr vert="horz" lIns="91440" tIns="45720" rIns="91440" bIns="45720" rtlCol="0" anchor="ctr">
+            <a:normAutofit/>
+          </a:bodyPr>
+          <a:lstStyle>
+            <a:lvl1pPr algn="ctr" defTabSz="457200" rtl="0" eaLnBrk="1" latinLnBrk="0" hangingPunct="1">
+              <a:spcBef>
+                <a:spcPct val="0"/>
+              </a:spcBef>
+              <a:buNone/>
+              <a:defRPr sz="4400" kern="1200">
+                <a:solidFill>
+                  <a:schemeClr val="tx1"/>
+                </a:solidFill>
+                <a:latin typeface="+mj-lt"/>
+                <a:ea typeface="+mj-ea"/>
+                <a:cs typeface="+mj-cs"/>
+              </a:defRPr>
+            </a:lvl1pPr>
+          </a:lstStyle>
+          <a:p>
+            <a:pPr algn="l"/>
+            <a:r>
+              <a:rPr kumimoji="1" lang="zh-CN" altLang="en-US" sz="2400" dirty="0" smtClean="0"/>
+              <a:t>    </a:t>
+            </a:r>
+            <a:r>
+              <a:rPr kumimoji="1" lang="en-US" altLang="zh-CN" sz="2400" dirty="0" err="1" smtClean="0"/>
+              <a:t>PyQt</a:t>
+            </a:r>
+            <a:r>
+              <a:rPr kumimoji="1" lang="zh-CN" altLang="en-US" sz="2400" dirty="0" smtClean="0"/>
+              <a:t>严格遵循</a:t>
+            </a:r>
+            <a:r>
+              <a:rPr kumimoji="1" lang="en-US" altLang="zh-CN" sz="2400" dirty="0" err="1" smtClean="0"/>
+              <a:t>Qt</a:t>
+            </a:r>
+            <a:r>
+              <a:rPr kumimoji="1" lang="zh-CN" altLang="en-US" sz="2400" dirty="0" smtClean="0"/>
+              <a:t>的发布许可，拥有双重协议，自由开发者可以选择使用免费的</a:t>
+            </a:r>
+            <a:r>
+              <a:rPr kumimoji="1" lang="en-US" altLang="zh-CN" sz="2400" dirty="0" smtClean="0"/>
+              <a:t>GPL</a:t>
+            </a:r>
+            <a:r>
+              <a:rPr kumimoji="1" lang="zh-CN" altLang="en-US" sz="2400" dirty="0" smtClean="0"/>
+              <a:t>版本，如果准备将</a:t>
+            </a:r>
+            <a:r>
+              <a:rPr kumimoji="1" lang="en-US" altLang="zh-CN" sz="2400" dirty="0" err="1" smtClean="0"/>
+              <a:t>PyQt</a:t>
+            </a:r>
+            <a:r>
+              <a:rPr kumimoji="1" lang="zh-CN" altLang="en-US" sz="2400" dirty="0" smtClean="0"/>
+              <a:t>用于商业活动，则必须为此交付商业许可费用。</a:t>
+            </a:r>
+            <a:endParaRPr kumimoji="1" lang="zh-CN" altLang="en-US" sz="2400" dirty="0"/>
+          </a:p>
+        </p:txBody>
+      </p:sp>
+    </p:spTree>
+    <p:extLst>
+      <p:ext uri="{BB962C8B-B14F-4D97-AF65-F5344CB8AC3E}">
+        <p14:creationId xmlns:p14="http://schemas.microsoft.com/office/powerpoint/2010/main" val="4170721524"/>
+      </p:ext>
+    </p:extLst>
+  </p:cSld>
+  <p:clrMapOvr>
+    <a:masterClrMapping/>
+  </p:clrMapOvr>
+  <p:timing>
+    <p:tnLst>
+      <p:par>
+        <p:cTn xmlns:p14="http://schemas.microsoft.com/office/powerpoint/2010/main" id="1" dur="indefinite" restart="never" nodeType="tmRoot"/>
+      </p:par>
+    </p:tnLst>
+  </p:timing>
+</p:sld>
+</file>
+
+<file path=ppt/slides/slide7.xml><?xml version="1.0" encoding="utf-8"?>
+<p:sld xmlns:a="http://schemas.openxmlformats.org/drawingml/2006/main" xmlns:r="http://schemas.openxmlformats.org/officeDocument/2006/relationships" xmlns:p="http://schemas.openxmlformats.org/presentationml/2006/main">
+  <p:cSld>
+    <p:spTree>
+      <p:nvGrpSpPr>
+        <p:cNvPr id="1" name=""/>
+        <p:cNvGrpSpPr/>
+        <p:nvPr/>
+      </p:nvGrpSpPr>
+      <p:grpSpPr>
+        <a:xfrm>
+          <a:off x="0" y="0"/>
+          <a:ext cx="0" cy="0"/>
+          <a:chOff x="0" y="0"/>
+          <a:chExt cx="0" cy="0"/>
+        </a:xfrm>
+      </p:grpSpPr>
+      <p:sp>
+        <p:nvSpPr>
+          <p:cNvPr id="2" name="标题 1"/>
+          <p:cNvSpPr>
+            <a:spLocks noGrp="1"/>
+          </p:cNvSpPr>
+          <p:nvPr>
+            <p:ph type="ctrTitle"/>
+          </p:nvPr>
+        </p:nvSpPr>
+        <p:spPr>
+          <a:xfrm>
+            <a:off x="536034" y="243991"/>
+            <a:ext cx="7772400" cy="1102519"/>
+          </a:xfrm>
+        </p:spPr>
+        <p:txBody>
+          <a:bodyPr/>
+          <a:lstStyle/>
+          <a:p>
+            <a:r>
+              <a:rPr kumimoji="1" lang="zh-CN" altLang="en-US" dirty="0" smtClean="0"/>
+              <a:t>为什么要开发桌面应用</a:t>
+            </a:r>
+            <a:endParaRPr kumimoji="1" lang="zh-CN" altLang="en-US" dirty="0"/>
+          </a:p>
+        </p:txBody>
+      </p:sp>
+      <p:sp>
+        <p:nvSpPr>
+          <p:cNvPr id="5" name="标题 1"/>
+          <p:cNvSpPr txBox="1">
+            <a:spLocks/>
+          </p:cNvSpPr>
+          <p:nvPr/>
+        </p:nvSpPr>
+        <p:spPr>
+          <a:xfrm>
+            <a:off x="688434" y="1509580"/>
+            <a:ext cx="7772400" cy="2833454"/>
+          </a:xfrm>
+          <a:prstGeom prst="rect">
+            <a:avLst/>
+          </a:prstGeom>
+        </p:spPr>
+        <p:txBody>
+          <a:bodyPr vert="horz" lIns="91440" tIns="45720" rIns="91440" bIns="45720" rtlCol="0" anchor="ctr">
+            <a:normAutofit fontScale="92500" lnSpcReduction="10000"/>
+          </a:bodyPr>
+          <a:lstStyle>
+            <a:lvl1pPr algn="ctr" defTabSz="457200" rtl="0" eaLnBrk="1" latinLnBrk="0" hangingPunct="1">
+              <a:spcBef>
+                <a:spcPct val="0"/>
+              </a:spcBef>
+              <a:buNone/>
+              <a:defRPr sz="4400" kern="1200">
+                <a:solidFill>
+                  <a:schemeClr val="tx1"/>
+                </a:solidFill>
+                <a:latin typeface="+mj-lt"/>
+                <a:ea typeface="+mj-ea"/>
+                <a:cs typeface="+mj-cs"/>
+              </a:defRPr>
+            </a:lvl1pPr>
+          </a:lstStyle>
+          <a:p>
+            <a:pPr algn="l"/>
+            <a:r>
+              <a:rPr kumimoji="1" lang="zh-CN" altLang="en-US" sz="1800" dirty="0" smtClean="0"/>
+              <a:t>    桌面应用，也可以称为</a:t>
+            </a:r>
+            <a:r>
+              <a:rPr kumimoji="1" lang="en-US" altLang="zh-CN" sz="1800" dirty="0" smtClean="0"/>
+              <a:t>GUI</a:t>
+            </a:r>
+            <a:r>
+              <a:rPr kumimoji="1" lang="zh-CN" altLang="en-US" sz="1800" dirty="0" smtClean="0"/>
+              <a:t>应用，在</a:t>
+            </a:r>
+            <a:r>
+              <a:rPr kumimoji="1" lang="en-US" altLang="zh-CN" sz="1800" dirty="0" smtClean="0"/>
+              <a:t>Windows</a:t>
+            </a:r>
+            <a:r>
+              <a:rPr kumimoji="1" lang="zh-CN" altLang="en-US" sz="1800" dirty="0" smtClean="0"/>
+              <a:t>处于非常火爆的</a:t>
+            </a:r>
+            <a:r>
+              <a:rPr kumimoji="1" lang="en-US" altLang="zh-CN" sz="1800" dirty="0" smtClean="0"/>
+              <a:t>15</a:t>
+            </a:r>
+            <a:r>
+              <a:rPr kumimoji="1" lang="zh-CN" altLang="en-US" sz="1800" dirty="0" smtClean="0"/>
+              <a:t>年时间（</a:t>
+            </a:r>
+            <a:r>
+              <a:rPr kumimoji="1" lang="en-US" altLang="zh-CN" sz="1800" dirty="0" smtClean="0"/>
+              <a:t>1995</a:t>
+            </a:r>
+            <a:r>
+              <a:rPr kumimoji="1" lang="zh-CN" altLang="en-US" sz="1800" dirty="0" smtClean="0"/>
+              <a:t>到</a:t>
+            </a:r>
+            <a:r>
+              <a:rPr kumimoji="1" lang="en-US" altLang="zh-CN" sz="1800" dirty="0" smtClean="0"/>
+              <a:t>2010</a:t>
+            </a:r>
+            <a:r>
+              <a:rPr kumimoji="1" lang="zh-CN" altLang="en-US" sz="1800" dirty="0" smtClean="0"/>
+              <a:t>）里是非常火的，不过最近几年被</a:t>
+            </a:r>
+            <a:r>
+              <a:rPr kumimoji="1" lang="en-US" altLang="zh-CN" sz="1800" dirty="0" smtClean="0"/>
+              <a:t>Web</a:t>
+            </a:r>
+            <a:r>
+              <a:rPr kumimoji="1" lang="zh-CN" altLang="en-US" sz="1800" dirty="0" smtClean="0"/>
+              <a:t>应用和移动应用强了风头。尽管</a:t>
+            </a:r>
+            <a:r>
+              <a:rPr kumimoji="1" lang="en-US" altLang="zh-CN" sz="1800" dirty="0" smtClean="0"/>
+              <a:t>Web</a:t>
+            </a:r>
+            <a:r>
+              <a:rPr kumimoji="1" lang="zh-CN" altLang="en-US" sz="1800" dirty="0" smtClean="0"/>
+              <a:t>和移动应用看似</a:t>
+            </a:r>
+            <a:r>
+              <a:rPr kumimoji="1" lang="zh-CN" altLang="en-US" sz="1800" dirty="0" smtClean="0"/>
+              <a:t>成</a:t>
+            </a:r>
+            <a:r>
+              <a:rPr kumimoji="1" lang="zh-CN" altLang="en-US" sz="1800" dirty="0" smtClean="0"/>
+              <a:t>为了现在的</a:t>
+            </a:r>
+            <a:r>
+              <a:rPr kumimoji="1" lang="zh-CN" altLang="en-US" sz="1800" dirty="0" smtClean="0"/>
+              <a:t>主流。但桌面应用目前仍然为很多类型应用的首选。移动应用由于屏幕太小，机器性能远低于同时代的</a:t>
+            </a:r>
+            <a:r>
+              <a:rPr kumimoji="1" lang="en-US" altLang="zh-CN" sz="1800" dirty="0" smtClean="0"/>
+              <a:t>PC</a:t>
+            </a:r>
+            <a:r>
+              <a:rPr kumimoji="1" lang="zh-CN" altLang="en-US" sz="1800" dirty="0" smtClean="0"/>
+              <a:t>机，所以至少目前来看，在短时间内移动应用是无法取代</a:t>
+            </a:r>
+            <a:r>
+              <a:rPr kumimoji="1" lang="en-US" altLang="zh-CN" sz="1800" dirty="0" smtClean="0"/>
+              <a:t>PC</a:t>
+            </a:r>
+            <a:r>
+              <a:rPr kumimoji="1" lang="zh-CN" altLang="en-US" sz="1800" dirty="0" smtClean="0"/>
+              <a:t>应用的，而在</a:t>
+            </a:r>
+            <a:r>
+              <a:rPr kumimoji="1" lang="en-US" altLang="zh-CN" sz="1800" dirty="0" smtClean="0"/>
+              <a:t>PC</a:t>
+            </a:r>
+            <a:r>
+              <a:rPr kumimoji="1" lang="zh-CN" altLang="en-US" sz="1800" dirty="0" smtClean="0"/>
+              <a:t>浏览器上运行的</a:t>
+            </a:r>
+            <a:r>
+              <a:rPr kumimoji="1" lang="en-US" altLang="zh-CN" sz="1800" dirty="0" smtClean="0"/>
+              <a:t>Web</a:t>
+            </a:r>
+            <a:r>
+              <a:rPr kumimoji="1" lang="zh-CN" altLang="en-US" sz="1800" dirty="0" smtClean="0"/>
+              <a:t>应用的主要优势是不需要安装，只要有浏览器就可以运行。</a:t>
+            </a:r>
+            <a:endParaRPr kumimoji="1" lang="en-US" altLang="zh-CN" sz="1800" dirty="0" smtClean="0"/>
+          </a:p>
+          <a:p>
+            <a:pPr algn="l"/>
+            <a:r>
+              <a:rPr kumimoji="1" lang="en-US" altLang="zh-CN" sz="1800" dirty="0" smtClean="0"/>
+              <a:t>       </a:t>
+            </a:r>
+            <a:r>
+              <a:rPr kumimoji="1" lang="zh-CN" altLang="en-US" sz="1800" dirty="0" smtClean="0"/>
+              <a:t>但缺点也显而易见</a:t>
+            </a:r>
+            <a:r>
+              <a:rPr kumimoji="1" lang="zh-CN" altLang="en-US" sz="1800" dirty="0" smtClean="0"/>
+              <a:t>，</a:t>
+            </a:r>
+            <a:r>
+              <a:rPr kumimoji="1" lang="en-US" altLang="zh-CN" sz="1800" dirty="0" smtClean="0"/>
+              <a:t>Web</a:t>
+            </a:r>
+            <a:r>
+              <a:rPr kumimoji="1" lang="zh-CN" altLang="en-US" sz="1800" dirty="0" smtClean="0"/>
+              <a:t>应用在浏览器部分的逻辑代码通常都是由</a:t>
+            </a:r>
+            <a:r>
+              <a:rPr kumimoji="1" lang="en-US" altLang="zh-CN" sz="1800" dirty="0" smtClean="0"/>
+              <a:t>JavaScript</a:t>
+            </a:r>
+            <a:r>
+              <a:rPr kumimoji="1" lang="zh-CN" altLang="en-US" sz="1800" dirty="0" smtClean="0"/>
+              <a:t>语言编写的，运行效率比较低，而且</a:t>
+            </a:r>
+            <a:r>
+              <a:rPr kumimoji="1" lang="en-US" altLang="zh-CN" sz="1800" dirty="0" smtClean="0"/>
+              <a:t>Web</a:t>
+            </a:r>
+            <a:r>
+              <a:rPr kumimoji="1" lang="zh-CN" altLang="en-US" sz="1800" dirty="0" smtClean="0"/>
+              <a:t>应用是无法完全控制本机的硬件的，如摄像头，蓝牙设备，打印机、串口等</a:t>
+            </a:r>
+            <a:r>
+              <a:rPr kumimoji="1" lang="zh-CN" altLang="en-US" sz="1800" dirty="0" smtClean="0"/>
+              <a:t>，</a:t>
+            </a:r>
+            <a:r>
+              <a:rPr kumimoji="1" lang="en-US" altLang="zh-CN" sz="1800" dirty="0" smtClean="0"/>
+              <a:t>Web</a:t>
+            </a:r>
+            <a:r>
+              <a:rPr kumimoji="1" lang="zh-CN" altLang="en-US" sz="1800" dirty="0" smtClean="0"/>
+              <a:t>应</a:t>
+            </a:r>
+            <a:r>
+              <a:rPr kumimoji="1" lang="zh-CN" altLang="en-US" sz="1800" dirty="0" smtClean="0"/>
+              <a:t>用在用户体验上也不如同时</a:t>
+            </a:r>
+            <a:r>
+              <a:rPr kumimoji="1" lang="zh-CN" altLang="en-US" sz="1800" dirty="0" smtClean="0"/>
+              <a:t>代的桌面应用，</a:t>
+            </a:r>
+            <a:r>
+              <a:rPr kumimoji="1" lang="zh-CN" altLang="en-US" sz="1800" dirty="0" smtClean="0"/>
+              <a:t>而</a:t>
+            </a:r>
+            <a:r>
+              <a:rPr kumimoji="1" lang="en-US" altLang="zh-CN" sz="1800" dirty="0" smtClean="0"/>
+              <a:t>Web</a:t>
+            </a:r>
+            <a:r>
+              <a:rPr kumimoji="1" lang="zh-CN" altLang="en-US" sz="1800" dirty="0" smtClean="0"/>
+              <a:t>应用不擅长的事</a:t>
+            </a:r>
+            <a:r>
+              <a:rPr kumimoji="1" lang="zh-CN" altLang="en-US" sz="1800" dirty="0" smtClean="0"/>
+              <a:t>正好是桌面应</a:t>
+            </a:r>
+            <a:r>
+              <a:rPr kumimoji="1" lang="zh-CN" altLang="en-US" sz="1800" dirty="0" smtClean="0"/>
+              <a:t>用的强项，因此，在未来的几十年，桌面应用仍然会占有非常重要的地位。</a:t>
+            </a:r>
+            <a:endParaRPr kumimoji="1" lang="zh-CN" altLang="en-US" sz="1800" dirty="0"/>
+          </a:p>
+        </p:txBody>
+      </p:sp>
+    </p:spTree>
+    <p:extLst>
+      <p:ext uri="{BB962C8B-B14F-4D97-AF65-F5344CB8AC3E}">
+        <p14:creationId xmlns:p14="http://schemas.microsoft.com/office/powerpoint/2010/main" val="4160818307"/>
+      </p:ext>
+    </p:extLst>
+  </p:cSld>
+  <p:clrMapOvr>
+    <a:masterClrMapping/>
+  </p:clrMapOvr>
+  <p:timing>
+    <p:tnLst>
+      <p:par>
+        <p:cTn xmlns:p14="http://schemas.microsoft.com/office/powerpoint/2010/main" id="1" dur="indefinite" restart="never" nodeType="tmRoot"/>
+      </p:par>
+    </p:tnLst>
+  </p:timing>
+</p:sld>
+</file>
+
+<file path=ppt/slides/slide8.xml><?xml version="1.0" encoding="utf-8"?>
+<p:sld xmlns:a="http://schemas.openxmlformats.org/drawingml/2006/main" xmlns:r="http://schemas.openxmlformats.org/officeDocument/2006/relationships" xmlns:p="http://schemas.openxmlformats.org/presentationml/2006/main">
+  <p:cSld>
+    <p:spTree>
+      <p:nvGrpSpPr>
+        <p:cNvPr id="1" name=""/>
+        <p:cNvGrpSpPr/>
+        <p:nvPr/>
+      </p:nvGrpSpPr>
+      <p:grpSpPr>
+        <a:xfrm>
+          <a:off x="0" y="0"/>
+          <a:ext cx="0" cy="0"/>
+          <a:chOff x="0" y="0"/>
+          <a:chExt cx="0" cy="0"/>
+        </a:xfrm>
+      </p:grpSpPr>
+      <p:sp>
+        <p:nvSpPr>
+          <p:cNvPr id="2" name="标题 1"/>
+          <p:cNvSpPr>
+            <a:spLocks noGrp="1"/>
+          </p:cNvSpPr>
+          <p:nvPr>
+            <p:ph type="ctrTitle"/>
+          </p:nvPr>
+        </p:nvSpPr>
+        <p:spPr>
+          <a:xfrm>
+            <a:off x="536034" y="243991"/>
+            <a:ext cx="7772400" cy="1102519"/>
+          </a:xfrm>
+        </p:spPr>
+        <p:txBody>
+          <a:bodyPr/>
+          <a:lstStyle/>
+          <a:p>
+            <a:r>
+              <a:rPr kumimoji="1" lang="zh-CN" altLang="en-US" dirty="0" smtClean="0"/>
+              <a:t>要讲些什么</a:t>
+            </a:r>
+            <a:endParaRPr kumimoji="1" lang="zh-CN" altLang="en-US" dirty="0"/>
+          </a:p>
+        </p:txBody>
+      </p:sp>
+      <p:sp>
+        <p:nvSpPr>
+          <p:cNvPr id="5" name="标题 1"/>
+          <p:cNvSpPr txBox="1">
+            <a:spLocks/>
+          </p:cNvSpPr>
+          <p:nvPr/>
+        </p:nvSpPr>
+        <p:spPr>
+          <a:xfrm>
+            <a:off x="688434" y="1509580"/>
+            <a:ext cx="7772400" cy="3378580"/>
+          </a:xfrm>
+          <a:prstGeom prst="rect">
+            <a:avLst/>
+          </a:prstGeom>
+        </p:spPr>
+        <p:txBody>
+          <a:bodyPr vert="horz" lIns="91440" tIns="45720" rIns="91440" bIns="45720" rtlCol="0" anchor="ctr">
+            <a:normAutofit fontScale="85000" lnSpcReduction="10000"/>
+          </a:bodyPr>
+          <a:lstStyle>
+            <a:lvl1pPr algn="ctr" defTabSz="457200" rtl="0" eaLnBrk="1" latinLnBrk="0" hangingPunct="1">
+              <a:spcBef>
+                <a:spcPct val="0"/>
+              </a:spcBef>
+              <a:buNone/>
+              <a:defRPr sz="4400" kern="1200">
+                <a:solidFill>
+                  <a:schemeClr val="tx1"/>
+                </a:solidFill>
+                <a:latin typeface="+mj-lt"/>
+                <a:ea typeface="+mj-ea"/>
+                <a:cs typeface="+mj-cs"/>
+              </a:defRPr>
+            </a:lvl1pPr>
+          </a:lstStyle>
+          <a:p>
+            <a:pPr marL="285750" indent="-285750" algn="l">
+              <a:buFont typeface="Wingdings" charset="2"/>
+              <a:buChar char="Ø"/>
+            </a:pPr>
+            <a:r>
+              <a:rPr kumimoji="1" lang="en-US" altLang="zh-CN" sz="1800" dirty="0" err="1" smtClean="0"/>
+              <a:t>Qt</a:t>
+            </a:r>
+            <a:r>
+              <a:rPr kumimoji="1" lang="zh-CN" altLang="en-US" sz="1800" dirty="0"/>
+              <a:t> </a:t>
+            </a:r>
+            <a:r>
+              <a:rPr kumimoji="1" lang="en-US" altLang="zh-CN" sz="1800" dirty="0" smtClean="0"/>
+              <a:t>Designer</a:t>
+            </a:r>
+          </a:p>
+          <a:p>
+            <a:pPr marL="285750" indent="-285750" algn="l">
+              <a:buFont typeface="Wingdings" charset="2"/>
+              <a:buChar char="Ø"/>
+            </a:pPr>
+            <a:endParaRPr kumimoji="1" lang="en-US" altLang="zh-CN" sz="1800" dirty="0" smtClean="0"/>
+          </a:p>
+          <a:p>
+            <a:pPr marL="285750" indent="-285750" algn="l">
+              <a:buFont typeface="Wingdings" charset="2"/>
+              <a:buChar char="Ø"/>
+            </a:pPr>
+            <a:r>
+              <a:rPr kumimoji="1" lang="en-US" altLang="zh-CN" sz="1800" dirty="0" smtClean="0"/>
+              <a:t>PyQt5</a:t>
+            </a:r>
+            <a:r>
+              <a:rPr kumimoji="1" lang="zh-CN" altLang="en-US" sz="1800" dirty="0" smtClean="0"/>
+              <a:t>基本窗口控件（</a:t>
+            </a:r>
+            <a:r>
+              <a:rPr kumimoji="1" lang="en-US" altLang="zh-CN" sz="1800" dirty="0" err="1" smtClean="0"/>
+              <a:t>QMainWindow</a:t>
+            </a:r>
+            <a:r>
+              <a:rPr kumimoji="1" lang="zh-CN" altLang="en-US" sz="1800" dirty="0" smtClean="0"/>
+              <a:t>、</a:t>
+            </a:r>
+            <a:r>
+              <a:rPr kumimoji="1" lang="en-US" altLang="zh-CN" sz="1800" dirty="0" err="1" smtClean="0"/>
+              <a:t>Qwidget</a:t>
+            </a:r>
+            <a:r>
+              <a:rPr kumimoji="1" lang="zh-CN" altLang="en-US" sz="1800" dirty="0" smtClean="0"/>
+              <a:t>、</a:t>
+            </a:r>
+            <a:r>
+              <a:rPr kumimoji="1" lang="en-US" altLang="zh-CN" sz="1800" dirty="0" err="1" smtClean="0"/>
+              <a:t>Qlabel</a:t>
+            </a:r>
+            <a:r>
+              <a:rPr kumimoji="1" lang="zh-CN" altLang="en-US" sz="1800" dirty="0" smtClean="0"/>
+              <a:t>、</a:t>
+            </a:r>
+            <a:r>
+              <a:rPr kumimoji="1" lang="en-US" altLang="zh-CN" sz="1800" dirty="0" err="1" smtClean="0"/>
+              <a:t>QLineEdit</a:t>
+            </a:r>
+            <a:r>
+              <a:rPr kumimoji="1" lang="zh-CN" altLang="zh-CN" sz="1800" dirty="0" smtClean="0"/>
+              <a:t>、</a:t>
+            </a:r>
+            <a:r>
+              <a:rPr kumimoji="1" lang="zh-CN" altLang="en-US" sz="1800" dirty="0" smtClean="0"/>
+              <a:t>菜单、工具栏</a:t>
+            </a:r>
+            <a:r>
+              <a:rPr kumimoji="1" lang="zh-CN" altLang="en-US" sz="1800" dirty="0" smtClean="0"/>
+              <a:t>等）</a:t>
+            </a:r>
+            <a:endParaRPr kumimoji="1" lang="en-US" altLang="zh-CN" sz="1800" dirty="0" smtClean="0"/>
+          </a:p>
+          <a:p>
+            <a:pPr marL="285750" indent="-285750" algn="l">
+              <a:buFont typeface="Wingdings" charset="2"/>
+              <a:buChar char="Ø"/>
+            </a:pPr>
+            <a:endParaRPr kumimoji="1" lang="en-US" altLang="zh-CN" sz="1800" dirty="0" smtClean="0"/>
+          </a:p>
+          <a:p>
+            <a:pPr marL="285750" indent="-285750" algn="l">
+              <a:buFont typeface="Wingdings" charset="2"/>
+              <a:buChar char="Ø"/>
+            </a:pPr>
+            <a:r>
+              <a:rPr kumimoji="1" lang="en-US" altLang="zh-CN" sz="1800" dirty="0" smtClean="0"/>
+              <a:t>PyQt5</a:t>
+            </a:r>
+            <a:r>
+              <a:rPr kumimoji="1" lang="zh-CN" altLang="en-US" sz="1800" dirty="0" smtClean="0"/>
+              <a:t>高级组件（</a:t>
+            </a:r>
+            <a:r>
+              <a:rPr kumimoji="1" lang="en-US" altLang="zh-CN" sz="1800" dirty="0" err="1" smtClean="0"/>
+              <a:t>QTableView</a:t>
+            </a:r>
+            <a:r>
+              <a:rPr kumimoji="1" lang="zh-CN" altLang="en-US" sz="1800" dirty="0" smtClean="0"/>
+              <a:t>、</a:t>
+            </a:r>
+            <a:r>
+              <a:rPr kumimoji="1" lang="en-US" altLang="zh-CN" sz="1800" dirty="0" err="1" smtClean="0"/>
+              <a:t>QListView</a:t>
+            </a:r>
+            <a:r>
+              <a:rPr kumimoji="1" lang="zh-CN" altLang="en-US" sz="1800" dirty="0" smtClean="0"/>
+              <a:t>、容器、多线程等）</a:t>
+            </a:r>
+            <a:endParaRPr kumimoji="1" lang="en-US" altLang="zh-CN" sz="1800" dirty="0" smtClean="0"/>
+          </a:p>
+          <a:p>
+            <a:pPr marL="285750" indent="-285750" algn="l">
+              <a:buFont typeface="Wingdings" charset="2"/>
+              <a:buChar char="Ø"/>
+            </a:pPr>
+            <a:endParaRPr kumimoji="1" lang="en-US" altLang="zh-CN" sz="1800" dirty="0" smtClean="0"/>
+          </a:p>
+          <a:p>
+            <a:pPr marL="285750" indent="-285750" algn="l">
+              <a:buFont typeface="Wingdings" charset="2"/>
+              <a:buChar char="Ø"/>
+            </a:pPr>
+            <a:r>
+              <a:rPr kumimoji="1" lang="en-US" altLang="zh-CN" sz="1800" dirty="0" smtClean="0"/>
+              <a:t>PyQt5</a:t>
+            </a:r>
+            <a:r>
+              <a:rPr kumimoji="1" lang="zh-CN" altLang="en-US" sz="1800" dirty="0" smtClean="0"/>
+              <a:t>布局管理（</a:t>
+            </a:r>
+            <a:r>
+              <a:rPr kumimoji="1" lang="en-US" altLang="zh-CN" sz="1800" dirty="0" err="1" smtClean="0"/>
+              <a:t>QBoxLayout</a:t>
+            </a:r>
+            <a:r>
+              <a:rPr kumimoji="1" lang="zh-CN" altLang="en-US" sz="1800" dirty="0" smtClean="0"/>
+              <a:t>、</a:t>
+            </a:r>
+            <a:r>
+              <a:rPr kumimoji="1" lang="en-US" altLang="zh-CN" sz="1800" dirty="0" err="1" smtClean="0"/>
+              <a:t>QGridLayout</a:t>
+            </a:r>
+            <a:r>
+              <a:rPr kumimoji="1" lang="zh-CN" altLang="en-US" sz="1800" dirty="0" smtClean="0"/>
+              <a:t>、</a:t>
+            </a:r>
+            <a:r>
+              <a:rPr kumimoji="1" lang="en-US" altLang="zh-CN" sz="1800" dirty="0" err="1" smtClean="0"/>
+              <a:t>QFormLayout</a:t>
+            </a:r>
+            <a:r>
+              <a:rPr kumimoji="1" lang="zh-CN" altLang="en-US" sz="1800" dirty="0" smtClean="0"/>
+              <a:t>、嵌套布局等）</a:t>
+            </a:r>
+            <a:endParaRPr kumimoji="1" lang="en-US" altLang="zh-CN" sz="1800" dirty="0" smtClean="0"/>
+          </a:p>
+          <a:p>
+            <a:pPr marL="285750" indent="-285750" algn="l">
+              <a:buFont typeface="Wingdings" charset="2"/>
+              <a:buChar char="Ø"/>
+            </a:pPr>
+            <a:endParaRPr kumimoji="1" lang="en-US" altLang="zh-CN" sz="1800" dirty="0" smtClean="0"/>
+          </a:p>
+          <a:p>
+            <a:pPr marL="285750" indent="-285750" algn="l">
+              <a:buFont typeface="Wingdings" charset="2"/>
+              <a:buChar char="Ø"/>
+            </a:pPr>
+            <a:r>
+              <a:rPr kumimoji="1" lang="en-US" altLang="zh-CN" sz="1800" dirty="0" smtClean="0"/>
+              <a:t>PyQt5</a:t>
+            </a:r>
+            <a:r>
+              <a:rPr kumimoji="1" lang="zh-CN" altLang="en-US" sz="1800" dirty="0" smtClean="0"/>
+              <a:t>信号与槽（事件处理、数据传递等）</a:t>
+            </a:r>
+            <a:endParaRPr kumimoji="1" lang="en-US" altLang="zh-CN" sz="1800" dirty="0" smtClean="0"/>
+          </a:p>
+          <a:p>
+            <a:pPr marL="285750" indent="-285750" algn="l">
+              <a:buFont typeface="Wingdings" charset="2"/>
+              <a:buChar char="Ø"/>
+            </a:pPr>
+            <a:endParaRPr kumimoji="1" lang="en-US" altLang="zh-CN" sz="1800" dirty="0" smtClean="0"/>
+          </a:p>
+          <a:p>
+            <a:pPr marL="285750" indent="-285750" algn="l">
+              <a:buFont typeface="Wingdings" charset="2"/>
+              <a:buChar char="Ø"/>
+            </a:pPr>
+            <a:r>
+              <a:rPr kumimoji="1" lang="en-US" altLang="zh-CN" sz="1800" dirty="0" smtClean="0"/>
+              <a:t>PyQt5</a:t>
+            </a:r>
+            <a:r>
+              <a:rPr kumimoji="1" lang="zh-CN" altLang="en-US" sz="1800" dirty="0" smtClean="0"/>
+              <a:t>图形与特效（定制窗口风格、绘图、</a:t>
+            </a:r>
+            <a:r>
+              <a:rPr kumimoji="1" lang="en-US" altLang="zh-CN" sz="1800" dirty="0" smtClean="0"/>
+              <a:t>QSS</a:t>
+            </a:r>
+            <a:r>
+              <a:rPr kumimoji="1" lang="zh-CN" altLang="en-US" sz="1800" dirty="0" smtClean="0"/>
+              <a:t>与</a:t>
+            </a:r>
+            <a:r>
+              <a:rPr kumimoji="1" lang="en-US" altLang="zh-CN" sz="1800" dirty="0" smtClean="0"/>
+              <a:t>UI</a:t>
+            </a:r>
+            <a:r>
+              <a:rPr kumimoji="1" lang="zh-CN" altLang="en-US" sz="1800" dirty="0" smtClean="0"/>
+              <a:t>美化、不规则窗口、设置样式等）</a:t>
+            </a:r>
+            <a:endParaRPr kumimoji="1" lang="en-US" altLang="zh-CN" sz="1800" dirty="0" smtClean="0"/>
+          </a:p>
+          <a:p>
+            <a:pPr marL="285750" indent="-285750" algn="l">
+              <a:buFont typeface="Wingdings" charset="2"/>
+              <a:buChar char="Ø"/>
+            </a:pPr>
+            <a:endParaRPr kumimoji="1" lang="en-US" altLang="zh-CN" sz="1800" dirty="0" smtClean="0"/>
+          </a:p>
+          <a:p>
+            <a:pPr marL="285750" indent="-285750" algn="l">
+              <a:buFont typeface="Wingdings" charset="2"/>
+              <a:buChar char="Ø"/>
+            </a:pPr>
+            <a:r>
+              <a:rPr kumimoji="1" lang="en-US" altLang="zh-CN" sz="1800" dirty="0" smtClean="0"/>
+              <a:t>PyQt5</a:t>
+            </a:r>
+            <a:r>
+              <a:rPr kumimoji="1" lang="zh-CN" altLang="en-US" sz="1800" dirty="0" smtClean="0"/>
+              <a:t>扩展应用（制作</a:t>
+            </a:r>
+            <a:r>
+              <a:rPr kumimoji="1" lang="en-US" altLang="zh-CN" sz="1800" dirty="0" smtClean="0"/>
+              <a:t>PyQt5</a:t>
+            </a:r>
+            <a:r>
+              <a:rPr kumimoji="1" lang="zh-CN" altLang="en-US" sz="1800" dirty="0" smtClean="0"/>
+              <a:t>安装程序、数据处理、第三方绘图库在</a:t>
+            </a:r>
+            <a:r>
+              <a:rPr kumimoji="1" lang="en-US" altLang="zh-CN" sz="1800" dirty="0" smtClean="0"/>
+              <a:t>PyQt5</a:t>
+            </a:r>
+            <a:r>
+              <a:rPr kumimoji="1" lang="zh-CN" altLang="en-US" sz="1800" dirty="0" smtClean="0"/>
+              <a:t>中的应用、</a:t>
+            </a:r>
+            <a:r>
+              <a:rPr kumimoji="1" lang="en-US" altLang="zh-CN" sz="1800" dirty="0" smtClean="0"/>
+              <a:t>UI</a:t>
+            </a:r>
+            <a:r>
+              <a:rPr kumimoji="1" lang="zh-CN" altLang="en-US" sz="1800" dirty="0" smtClean="0"/>
+              <a:t>自动化测试等）</a:t>
+            </a:r>
+            <a:endParaRPr kumimoji="1" lang="en-US" altLang="zh-CN" sz="1800" dirty="0" smtClean="0"/>
+          </a:p>
+        </p:txBody>
+      </p:sp>
+    </p:spTree>
+    <p:extLst>
+      <p:ext uri="{BB962C8B-B14F-4D97-AF65-F5344CB8AC3E}">
+        <p14:creationId xmlns:p14="http://schemas.microsoft.com/office/powerpoint/2010/main" val="183078464"/>
       </p:ext>
     </p:extLst>
   </p:cSld>

--- a/documents/01-初识PyQt5-01-PyQt5简介.pptx
+++ b/documents/01-初识PyQt5-01-PyQt5简介.pptx
@@ -10,9 +10,8 @@
     <p:sldId id="260" r:id="rId4"/>
     <p:sldId id="258" r:id="rId5"/>
     <p:sldId id="259" r:id="rId6"/>
-    <p:sldId id="261" r:id="rId7"/>
-    <p:sldId id="263" r:id="rId8"/>
-    <p:sldId id="262" r:id="rId9"/>
+    <p:sldId id="263" r:id="rId7"/>
+    <p:sldId id="262" r:id="rId8"/>
   </p:sldIdLst>
   <p:sldSz cx="9144000" cy="5143500" type="screen16x9"/>
   <p:notesSz cx="6858000" cy="9144000"/>
@@ -3339,15 +3338,7 @@
             </a:r>
             <a:r>
               <a:rPr kumimoji="1" lang="zh-CN" altLang="en-US" sz="2400" dirty="0" smtClean="0"/>
-              <a:t>语言编写，</a:t>
-            </a:r>
-            <a:r>
-              <a:rPr kumimoji="1" lang="zh-CN" altLang="en-US" sz="2400" dirty="0" smtClean="0"/>
-              <a:t>所以</a:t>
-            </a:r>
-            <a:r>
-              <a:rPr kumimoji="1" lang="zh-CN" altLang="en-US" sz="2400" dirty="0" smtClean="0"/>
-              <a:t>使用</a:t>
+              <a:t>语言编写，所以使用</a:t>
             </a:r>
             <a:r>
               <a:rPr kumimoji="1" lang="en-US" altLang="zh-CN" sz="2400" dirty="0" err="1" smtClean="0"/>
@@ -3363,15 +3354,7 @@
             </a:r>
             <a:r>
               <a:rPr kumimoji="1" lang="zh-CN" altLang="en-US" sz="2400" dirty="0" smtClean="0"/>
-              <a:t>程序</a:t>
-            </a:r>
-            <a:r>
-              <a:rPr kumimoji="1" lang="zh-CN" altLang="en-US" sz="2400" dirty="0" smtClean="0"/>
-              <a:t>的界面风</a:t>
-            </a:r>
-            <a:r>
-              <a:rPr kumimoji="1" lang="zh-CN" altLang="en-US" sz="2400" dirty="0" smtClean="0"/>
-              <a:t>格与当前操作系统完全相同，而且运行效率很高。</a:t>
+              <a:t>程序的界面风格与当前操作系统完全相同，而且运行效率很高。</a:t>
             </a:r>
             <a:endParaRPr kumimoji="1" lang="en-US" altLang="zh-CN" sz="2400" dirty="0" smtClean="0"/>
           </a:p>
@@ -3667,39 +3650,11 @@
             </a:r>
             <a:r>
               <a:rPr kumimoji="1" lang="zh-CN" altLang="en-US" sz="1800" dirty="0" smtClean="0"/>
-              <a:t>业务。目前</a:t>
-            </a:r>
-            <a:r>
-              <a:rPr kumimoji="1" lang="en-US" altLang="zh-CN" sz="1800" dirty="0" err="1" smtClean="0"/>
-              <a:t>Qt</a:t>
-            </a:r>
-            <a:r>
-              <a:rPr kumimoji="1" lang="zh-CN" altLang="en-US" sz="1800" dirty="0" smtClean="0"/>
-              <a:t>既有开源版本，也有商业版本。</a:t>
-            </a:r>
-            <a:r>
-              <a:rPr kumimoji="1" lang="en-US" altLang="zh-CN" sz="1800" dirty="0" err="1" smtClean="0"/>
-              <a:t>Digia</a:t>
-            </a:r>
-            <a:r>
-              <a:rPr kumimoji="1" lang="zh-CN" altLang="en-US" sz="1800" dirty="0" smtClean="0"/>
-              <a:t>通过开发授权（</a:t>
-            </a:r>
-            <a:r>
-              <a:rPr kumimoji="1" lang="en-US" altLang="zh-CN" sz="1800" dirty="0" smtClean="0"/>
-              <a:t>LGPL</a:t>
-            </a:r>
-            <a:r>
-              <a:rPr kumimoji="1" lang="zh-CN" altLang="en-US" sz="1800" dirty="0" smtClean="0"/>
-              <a:t>）以及商业授权的方式对</a:t>
-            </a:r>
-            <a:r>
-              <a:rPr kumimoji="1" lang="en-US" altLang="zh-CN" sz="1800" dirty="0" err="1" smtClean="0"/>
-              <a:t>Qt</a:t>
-            </a:r>
-            <a:r>
-              <a:rPr kumimoji="1" lang="zh-CN" altLang="en-US" sz="1800" dirty="0" smtClean="0"/>
-              <a:t>进行授权。</a:t>
+              <a:t>业务</a:t>
+            </a:r>
+            <a:r>
+              <a:rPr kumimoji="1" lang="zh-CN" altLang="en-US" sz="1800" dirty="0" smtClean="0"/>
+              <a:t>。</a:t>
             </a:r>
             <a:endParaRPr kumimoji="1" lang="en-US" altLang="zh-CN" sz="1800" dirty="0" smtClean="0"/>
           </a:p>
@@ -4176,12 +4131,8 @@
           <a:lstStyle/>
           <a:p>
             <a:r>
-              <a:rPr kumimoji="1" lang="en-US" altLang="zh-CN" dirty="0" err="1" smtClean="0"/>
-              <a:t>PyQt</a:t>
-            </a:r>
-            <a:r>
               <a:rPr kumimoji="1" lang="zh-CN" altLang="en-US" dirty="0" smtClean="0"/>
-              <a:t>的授权</a:t>
+              <a:t>为什么要开发桌面应用</a:t>
             </a:r>
             <a:endParaRPr kumimoji="1" lang="zh-CN" altLang="en-US" dirty="0"/>
           </a:p>
@@ -4198,7 +4149,7 @@
         <p:spPr>
           <a:xfrm>
             <a:off x="688434" y="1509580"/>
-            <a:ext cx="7772400" cy="1377789"/>
+            <a:ext cx="7772400" cy="2833454"/>
           </a:xfrm>
           <a:prstGeom prst="rect">
             <a:avLst/>
@@ -4206,7 +4157,7 @@
         </p:spPr>
         <p:txBody>
           <a:bodyPr vert="horz" lIns="91440" tIns="45720" rIns="91440" bIns="45720" rtlCol="0" anchor="ctr">
-            <a:normAutofit/>
+            <a:normAutofit fontScale="92500" lnSpcReduction="10000"/>
           </a:bodyPr>
           <a:lstStyle>
             <a:lvl1pPr algn="ctr" defTabSz="457200" rtl="0" eaLnBrk="1" latinLnBrk="0" hangingPunct="1">
@@ -4227,49 +4178,157 @@
           <a:p>
             <a:pPr algn="l"/>
             <a:r>
-              <a:rPr kumimoji="1" lang="zh-CN" altLang="en-US" sz="2400" dirty="0" smtClean="0"/>
-              <a:t>    </a:t>
-            </a:r>
-            <a:r>
-              <a:rPr kumimoji="1" lang="en-US" altLang="zh-CN" sz="2400" dirty="0" err="1" smtClean="0"/>
-              <a:t>PyQt</a:t>
-            </a:r>
-            <a:r>
-              <a:rPr kumimoji="1" lang="zh-CN" altLang="en-US" sz="2400" dirty="0" smtClean="0"/>
-              <a:t>严格遵循</a:t>
-            </a:r>
-            <a:r>
-              <a:rPr kumimoji="1" lang="en-US" altLang="zh-CN" sz="2400" dirty="0" err="1" smtClean="0"/>
-              <a:t>Qt</a:t>
-            </a:r>
-            <a:r>
-              <a:rPr kumimoji="1" lang="zh-CN" altLang="en-US" sz="2400" dirty="0" smtClean="0"/>
-              <a:t>的发布许可，拥有双重协议，自由开发者可以选择使用免费的</a:t>
-            </a:r>
-            <a:r>
-              <a:rPr kumimoji="1" lang="en-US" altLang="zh-CN" sz="2400" dirty="0" smtClean="0"/>
-              <a:t>GPL</a:t>
-            </a:r>
-            <a:r>
-              <a:rPr kumimoji="1" lang="zh-CN" altLang="en-US" sz="2400" dirty="0" smtClean="0"/>
-              <a:t>版本，如果准备将</a:t>
-            </a:r>
-            <a:r>
-              <a:rPr kumimoji="1" lang="en-US" altLang="zh-CN" sz="2400" dirty="0" err="1" smtClean="0"/>
-              <a:t>PyQt</a:t>
-            </a:r>
-            <a:r>
-              <a:rPr kumimoji="1" lang="zh-CN" altLang="en-US" sz="2400" dirty="0" smtClean="0"/>
-              <a:t>用于商业活动，则必须为此交付商业许可费用。</a:t>
-            </a:r>
-            <a:endParaRPr kumimoji="1" lang="zh-CN" altLang="en-US" sz="2400" dirty="0"/>
+              <a:rPr kumimoji="1" lang="zh-CN" altLang="en-US" sz="1800" dirty="0" smtClean="0"/>
+              <a:t>    桌面应用，也可以称为</a:t>
+            </a:r>
+            <a:r>
+              <a:rPr kumimoji="1" lang="en-US" altLang="zh-CN" sz="1800" dirty="0" smtClean="0"/>
+              <a:t>GUI</a:t>
+            </a:r>
+            <a:r>
+              <a:rPr kumimoji="1" lang="zh-CN" altLang="en-US" sz="1800" dirty="0" smtClean="0"/>
+              <a:t>应用，在</a:t>
+            </a:r>
+            <a:r>
+              <a:rPr kumimoji="1" lang="en-US" altLang="zh-CN" sz="1800" dirty="0" smtClean="0"/>
+              <a:t>Windows</a:t>
+            </a:r>
+            <a:r>
+              <a:rPr kumimoji="1" lang="zh-CN" altLang="en-US" sz="1800" dirty="0" smtClean="0"/>
+              <a:t>处于非常火爆的</a:t>
+            </a:r>
+            <a:r>
+              <a:rPr kumimoji="1" lang="en-US" altLang="zh-CN" sz="1800" dirty="0" smtClean="0"/>
+              <a:t>15</a:t>
+            </a:r>
+            <a:r>
+              <a:rPr kumimoji="1" lang="zh-CN" altLang="en-US" sz="1800" dirty="0" smtClean="0"/>
+              <a:t>年时间（</a:t>
+            </a:r>
+            <a:r>
+              <a:rPr kumimoji="1" lang="en-US" altLang="zh-CN" sz="1800" dirty="0" smtClean="0"/>
+              <a:t>1995</a:t>
+            </a:r>
+            <a:r>
+              <a:rPr kumimoji="1" lang="zh-CN" altLang="en-US" sz="1800" dirty="0" smtClean="0"/>
+              <a:t>到</a:t>
+            </a:r>
+            <a:r>
+              <a:rPr kumimoji="1" lang="en-US" altLang="zh-CN" sz="1800" dirty="0" smtClean="0"/>
+              <a:t>2010</a:t>
+            </a:r>
+            <a:r>
+              <a:rPr kumimoji="1" lang="zh-CN" altLang="en-US" sz="1800" dirty="0" smtClean="0"/>
+              <a:t>）里是非常火的，不过最近几年被</a:t>
+            </a:r>
+            <a:r>
+              <a:rPr kumimoji="1" lang="en-US" altLang="zh-CN" sz="1800" dirty="0" smtClean="0"/>
+              <a:t>Web</a:t>
+            </a:r>
+            <a:r>
+              <a:rPr kumimoji="1" lang="zh-CN" altLang="en-US" sz="1800" dirty="0" smtClean="0"/>
+              <a:t>应用和移动应用强了风头。尽管</a:t>
+            </a:r>
+            <a:r>
+              <a:rPr kumimoji="1" lang="en-US" altLang="zh-CN" sz="1800" dirty="0" smtClean="0"/>
+              <a:t>Web</a:t>
+            </a:r>
+            <a:r>
+              <a:rPr kumimoji="1" lang="zh-CN" altLang="en-US" sz="1800" dirty="0" smtClean="0"/>
+              <a:t>和移动应用看似成为了现在的主流。但桌面应用目前仍然为很多类型应用的首选。移动应用由于屏幕太小，机器性能远低于同时代的</a:t>
+            </a:r>
+            <a:r>
+              <a:rPr kumimoji="1" lang="en-US" altLang="zh-CN" sz="1800" dirty="0" smtClean="0"/>
+              <a:t>PC</a:t>
+            </a:r>
+            <a:r>
+              <a:rPr kumimoji="1" lang="zh-CN" altLang="en-US" sz="1800" dirty="0" smtClean="0"/>
+              <a:t>机，所以至少目前来看，在短时间内移动应用是无法取代</a:t>
+            </a:r>
+            <a:r>
+              <a:rPr kumimoji="1" lang="en-US" altLang="zh-CN" sz="1800" dirty="0" smtClean="0"/>
+              <a:t>PC</a:t>
+            </a:r>
+            <a:r>
+              <a:rPr kumimoji="1" lang="zh-CN" altLang="en-US" sz="1800" dirty="0" smtClean="0"/>
+              <a:t>应用的，而在</a:t>
+            </a:r>
+            <a:r>
+              <a:rPr kumimoji="1" lang="en-US" altLang="zh-CN" sz="1800" dirty="0" smtClean="0"/>
+              <a:t>PC</a:t>
+            </a:r>
+            <a:r>
+              <a:rPr kumimoji="1" lang="zh-CN" altLang="en-US" sz="1800" dirty="0" smtClean="0"/>
+              <a:t>浏览器上运行的</a:t>
+            </a:r>
+            <a:r>
+              <a:rPr kumimoji="1" lang="en-US" altLang="zh-CN" sz="1800" dirty="0" smtClean="0"/>
+              <a:t>Web</a:t>
+            </a:r>
+            <a:r>
+              <a:rPr kumimoji="1" lang="zh-CN" altLang="en-US" sz="1800" dirty="0" smtClean="0"/>
+              <a:t>应用的主要优势是不需要安装，只要有浏览器就可以运行。</a:t>
+            </a:r>
+            <a:endParaRPr kumimoji="1" lang="en-US" altLang="zh-CN" sz="1800" dirty="0" smtClean="0"/>
+          </a:p>
+          <a:p>
+            <a:pPr algn="l"/>
+            <a:r>
+              <a:rPr kumimoji="1" lang="en-US" altLang="zh-CN" sz="1800" dirty="0" smtClean="0"/>
+              <a:t>       </a:t>
+            </a:r>
+            <a:r>
+              <a:rPr kumimoji="1" lang="zh-CN" altLang="en-US" sz="1800" dirty="0" smtClean="0"/>
+              <a:t>但缺点也显而易见，</a:t>
+            </a:r>
+            <a:r>
+              <a:rPr kumimoji="1" lang="en-US" altLang="zh-CN" sz="1800" dirty="0" smtClean="0"/>
+              <a:t>Web</a:t>
+            </a:r>
+            <a:r>
+              <a:rPr kumimoji="1" lang="zh-CN" altLang="en-US" sz="1800" dirty="0" smtClean="0"/>
+              <a:t>应用在浏览器部分的逻辑代码通常都是由</a:t>
+            </a:r>
+            <a:r>
+              <a:rPr kumimoji="1" lang="en-US" altLang="zh-CN" sz="1800" dirty="0" smtClean="0"/>
+              <a:t>JavaScript</a:t>
+            </a:r>
+            <a:r>
+              <a:rPr kumimoji="1" lang="zh-CN" altLang="en-US" sz="1800" dirty="0" smtClean="0"/>
+              <a:t>语言编写的，运行效率比较低，而且</a:t>
+            </a:r>
+            <a:r>
+              <a:rPr kumimoji="1" lang="en-US" altLang="zh-CN" sz="1800" dirty="0" smtClean="0"/>
+              <a:t>Web</a:t>
+            </a:r>
+            <a:r>
+              <a:rPr kumimoji="1" lang="zh-CN" altLang="en-US" sz="1800" dirty="0" smtClean="0"/>
+              <a:t>应用是无法完全控制本机的硬件的，如摄像头，蓝牙设备，打印机、串口等，</a:t>
+            </a:r>
+            <a:r>
+              <a:rPr kumimoji="1" lang="en-US" altLang="zh-CN" sz="1800" dirty="0" smtClean="0"/>
+              <a:t>Web</a:t>
+            </a:r>
+            <a:r>
+              <a:rPr kumimoji="1" lang="zh-CN" altLang="en-US" sz="1800" dirty="0" smtClean="0"/>
+              <a:t>应用在用户体验上也不如同时代的桌面应用，而</a:t>
+            </a:r>
+            <a:r>
+              <a:rPr kumimoji="1" lang="en-US" altLang="zh-CN" sz="1800" dirty="0" smtClean="0"/>
+              <a:t>Web</a:t>
+            </a:r>
+            <a:r>
+              <a:rPr kumimoji="1" lang="zh-CN" altLang="en-US" sz="1800" dirty="0" smtClean="0"/>
+              <a:t>应用不擅长的事正好是桌面应用的强项，因此，在未来的几十年，桌面应用仍然会占有非常重要的地位。</a:t>
+            </a:r>
+            <a:endParaRPr kumimoji="1" lang="zh-CN" altLang="en-US" sz="1800" dirty="0"/>
           </a:p>
         </p:txBody>
       </p:sp>
     </p:spTree>
     <p:extLst>
       <p:ext uri="{BB962C8B-B14F-4D97-AF65-F5344CB8AC3E}">
-        <p14:creationId xmlns:p14="http://schemas.microsoft.com/office/powerpoint/2010/main" val="4170721524"/>
+        <p14:creationId xmlns:p14="http://schemas.microsoft.com/office/powerpoint/2010/main" val="4160818307"/>
       </p:ext>
     </p:extLst>
   </p:cSld>
@@ -4325,7 +4384,7 @@
           <a:p>
             <a:r>
               <a:rPr kumimoji="1" lang="zh-CN" altLang="en-US" dirty="0" smtClean="0"/>
-              <a:t>为什么要开发桌面应用</a:t>
+              <a:t>要讲些什么</a:t>
             </a:r>
             <a:endParaRPr kumimoji="1" lang="zh-CN" altLang="en-US" dirty="0"/>
           </a:p>
@@ -4342,7 +4401,7 @@
         <p:spPr>
           <a:xfrm>
             <a:off x="688434" y="1509580"/>
-            <a:ext cx="7772400" cy="2833454"/>
+            <a:ext cx="7772400" cy="3378580"/>
           </a:xfrm>
           <a:prstGeom prst="rect">
             <a:avLst/>
@@ -4350,7 +4409,7 @@
         </p:spPr>
         <p:txBody>
           <a:bodyPr vert="horz" lIns="91440" tIns="45720" rIns="91440" bIns="45720" rtlCol="0" anchor="ctr">
-            <a:normAutofit fontScale="92500" lnSpcReduction="10000"/>
+            <a:normAutofit fontScale="85000" lnSpcReduction="10000"/>
           </a:bodyPr>
           <a:lstStyle>
             <a:lvl1pPr algn="ctr" defTabSz="457200" rtl="0" eaLnBrk="1" latinLnBrk="0" hangingPunct="1">
@@ -4369,298 +4428,6 @@
             </a:lvl1pPr>
           </a:lstStyle>
           <a:p>
-            <a:pPr algn="l"/>
-            <a:r>
-              <a:rPr kumimoji="1" lang="zh-CN" altLang="en-US" sz="1800" dirty="0" smtClean="0"/>
-              <a:t>    桌面应用，也可以称为</a:t>
-            </a:r>
-            <a:r>
-              <a:rPr kumimoji="1" lang="en-US" altLang="zh-CN" sz="1800" dirty="0" smtClean="0"/>
-              <a:t>GUI</a:t>
-            </a:r>
-            <a:r>
-              <a:rPr kumimoji="1" lang="zh-CN" altLang="en-US" sz="1800" dirty="0" smtClean="0"/>
-              <a:t>应用，在</a:t>
-            </a:r>
-            <a:r>
-              <a:rPr kumimoji="1" lang="en-US" altLang="zh-CN" sz="1800" dirty="0" smtClean="0"/>
-              <a:t>Windows</a:t>
-            </a:r>
-            <a:r>
-              <a:rPr kumimoji="1" lang="zh-CN" altLang="en-US" sz="1800" dirty="0" smtClean="0"/>
-              <a:t>处于非常火爆的</a:t>
-            </a:r>
-            <a:r>
-              <a:rPr kumimoji="1" lang="en-US" altLang="zh-CN" sz="1800" dirty="0" smtClean="0"/>
-              <a:t>15</a:t>
-            </a:r>
-            <a:r>
-              <a:rPr kumimoji="1" lang="zh-CN" altLang="en-US" sz="1800" dirty="0" smtClean="0"/>
-              <a:t>年时间（</a:t>
-            </a:r>
-            <a:r>
-              <a:rPr kumimoji="1" lang="en-US" altLang="zh-CN" sz="1800" dirty="0" smtClean="0"/>
-              <a:t>1995</a:t>
-            </a:r>
-            <a:r>
-              <a:rPr kumimoji="1" lang="zh-CN" altLang="en-US" sz="1800" dirty="0" smtClean="0"/>
-              <a:t>到</a:t>
-            </a:r>
-            <a:r>
-              <a:rPr kumimoji="1" lang="en-US" altLang="zh-CN" sz="1800" dirty="0" smtClean="0"/>
-              <a:t>2010</a:t>
-            </a:r>
-            <a:r>
-              <a:rPr kumimoji="1" lang="zh-CN" altLang="en-US" sz="1800" dirty="0" smtClean="0"/>
-              <a:t>）里是非常火的，不过最近几年被</a:t>
-            </a:r>
-            <a:r>
-              <a:rPr kumimoji="1" lang="en-US" altLang="zh-CN" sz="1800" dirty="0" smtClean="0"/>
-              <a:t>Web</a:t>
-            </a:r>
-            <a:r>
-              <a:rPr kumimoji="1" lang="zh-CN" altLang="en-US" sz="1800" dirty="0" smtClean="0"/>
-              <a:t>应用和移动应用强了风头。尽管</a:t>
-            </a:r>
-            <a:r>
-              <a:rPr kumimoji="1" lang="en-US" altLang="zh-CN" sz="1800" dirty="0" smtClean="0"/>
-              <a:t>Web</a:t>
-            </a:r>
-            <a:r>
-              <a:rPr kumimoji="1" lang="zh-CN" altLang="en-US" sz="1800" dirty="0" smtClean="0"/>
-              <a:t>和移动应用看似</a:t>
-            </a:r>
-            <a:r>
-              <a:rPr kumimoji="1" lang="zh-CN" altLang="en-US" sz="1800" dirty="0" smtClean="0"/>
-              <a:t>成</a:t>
-            </a:r>
-            <a:r>
-              <a:rPr kumimoji="1" lang="zh-CN" altLang="en-US" sz="1800" dirty="0" smtClean="0"/>
-              <a:t>为了现在的</a:t>
-            </a:r>
-            <a:r>
-              <a:rPr kumimoji="1" lang="zh-CN" altLang="en-US" sz="1800" dirty="0" smtClean="0"/>
-              <a:t>主流。但桌面应用目前仍然为很多类型应用的首选。移动应用由于屏幕太小，机器性能远低于同时代的</a:t>
-            </a:r>
-            <a:r>
-              <a:rPr kumimoji="1" lang="en-US" altLang="zh-CN" sz="1800" dirty="0" smtClean="0"/>
-              <a:t>PC</a:t>
-            </a:r>
-            <a:r>
-              <a:rPr kumimoji="1" lang="zh-CN" altLang="en-US" sz="1800" dirty="0" smtClean="0"/>
-              <a:t>机，所以至少目前来看，在短时间内移动应用是无法取代</a:t>
-            </a:r>
-            <a:r>
-              <a:rPr kumimoji="1" lang="en-US" altLang="zh-CN" sz="1800" dirty="0" smtClean="0"/>
-              <a:t>PC</a:t>
-            </a:r>
-            <a:r>
-              <a:rPr kumimoji="1" lang="zh-CN" altLang="en-US" sz="1800" dirty="0" smtClean="0"/>
-              <a:t>应用的，而在</a:t>
-            </a:r>
-            <a:r>
-              <a:rPr kumimoji="1" lang="en-US" altLang="zh-CN" sz="1800" dirty="0" smtClean="0"/>
-              <a:t>PC</a:t>
-            </a:r>
-            <a:r>
-              <a:rPr kumimoji="1" lang="zh-CN" altLang="en-US" sz="1800" dirty="0" smtClean="0"/>
-              <a:t>浏览器上运行的</a:t>
-            </a:r>
-            <a:r>
-              <a:rPr kumimoji="1" lang="en-US" altLang="zh-CN" sz="1800" dirty="0" smtClean="0"/>
-              <a:t>Web</a:t>
-            </a:r>
-            <a:r>
-              <a:rPr kumimoji="1" lang="zh-CN" altLang="en-US" sz="1800" dirty="0" smtClean="0"/>
-              <a:t>应用的主要优势是不需要安装，只要有浏览器就可以运行。</a:t>
-            </a:r>
-            <a:endParaRPr kumimoji="1" lang="en-US" altLang="zh-CN" sz="1800" dirty="0" smtClean="0"/>
-          </a:p>
-          <a:p>
-            <a:pPr algn="l"/>
-            <a:r>
-              <a:rPr kumimoji="1" lang="en-US" altLang="zh-CN" sz="1800" dirty="0" smtClean="0"/>
-              <a:t>       </a:t>
-            </a:r>
-            <a:r>
-              <a:rPr kumimoji="1" lang="zh-CN" altLang="en-US" sz="1800" dirty="0" smtClean="0"/>
-              <a:t>但缺点也显而易见</a:t>
-            </a:r>
-            <a:r>
-              <a:rPr kumimoji="1" lang="zh-CN" altLang="en-US" sz="1800" dirty="0" smtClean="0"/>
-              <a:t>，</a:t>
-            </a:r>
-            <a:r>
-              <a:rPr kumimoji="1" lang="en-US" altLang="zh-CN" sz="1800" dirty="0" smtClean="0"/>
-              <a:t>Web</a:t>
-            </a:r>
-            <a:r>
-              <a:rPr kumimoji="1" lang="zh-CN" altLang="en-US" sz="1800" dirty="0" smtClean="0"/>
-              <a:t>应用在浏览器部分的逻辑代码通常都是由</a:t>
-            </a:r>
-            <a:r>
-              <a:rPr kumimoji="1" lang="en-US" altLang="zh-CN" sz="1800" dirty="0" smtClean="0"/>
-              <a:t>JavaScript</a:t>
-            </a:r>
-            <a:r>
-              <a:rPr kumimoji="1" lang="zh-CN" altLang="en-US" sz="1800" dirty="0" smtClean="0"/>
-              <a:t>语言编写的，运行效率比较低，而且</a:t>
-            </a:r>
-            <a:r>
-              <a:rPr kumimoji="1" lang="en-US" altLang="zh-CN" sz="1800" dirty="0" smtClean="0"/>
-              <a:t>Web</a:t>
-            </a:r>
-            <a:r>
-              <a:rPr kumimoji="1" lang="zh-CN" altLang="en-US" sz="1800" dirty="0" smtClean="0"/>
-              <a:t>应用是无法完全控制本机的硬件的，如摄像头，蓝牙设备，打印机、串口等</a:t>
-            </a:r>
-            <a:r>
-              <a:rPr kumimoji="1" lang="zh-CN" altLang="en-US" sz="1800" dirty="0" smtClean="0"/>
-              <a:t>，</a:t>
-            </a:r>
-            <a:r>
-              <a:rPr kumimoji="1" lang="en-US" altLang="zh-CN" sz="1800" dirty="0" smtClean="0"/>
-              <a:t>Web</a:t>
-            </a:r>
-            <a:r>
-              <a:rPr kumimoji="1" lang="zh-CN" altLang="en-US" sz="1800" dirty="0" smtClean="0"/>
-              <a:t>应</a:t>
-            </a:r>
-            <a:r>
-              <a:rPr kumimoji="1" lang="zh-CN" altLang="en-US" sz="1800" dirty="0" smtClean="0"/>
-              <a:t>用在用户体验上也不如同时</a:t>
-            </a:r>
-            <a:r>
-              <a:rPr kumimoji="1" lang="zh-CN" altLang="en-US" sz="1800" dirty="0" smtClean="0"/>
-              <a:t>代的桌面应用，</a:t>
-            </a:r>
-            <a:r>
-              <a:rPr kumimoji="1" lang="zh-CN" altLang="en-US" sz="1800" dirty="0" smtClean="0"/>
-              <a:t>而</a:t>
-            </a:r>
-            <a:r>
-              <a:rPr kumimoji="1" lang="en-US" altLang="zh-CN" sz="1800" dirty="0" smtClean="0"/>
-              <a:t>Web</a:t>
-            </a:r>
-            <a:r>
-              <a:rPr kumimoji="1" lang="zh-CN" altLang="en-US" sz="1800" dirty="0" smtClean="0"/>
-              <a:t>应用不擅长的事</a:t>
-            </a:r>
-            <a:r>
-              <a:rPr kumimoji="1" lang="zh-CN" altLang="en-US" sz="1800" dirty="0" smtClean="0"/>
-              <a:t>正好是桌面应</a:t>
-            </a:r>
-            <a:r>
-              <a:rPr kumimoji="1" lang="zh-CN" altLang="en-US" sz="1800" dirty="0" smtClean="0"/>
-              <a:t>用的强项，因此，在未来的几十年，桌面应用仍然会占有非常重要的地位。</a:t>
-            </a:r>
-            <a:endParaRPr kumimoji="1" lang="zh-CN" altLang="en-US" sz="1800" dirty="0"/>
-          </a:p>
-        </p:txBody>
-      </p:sp>
-    </p:spTree>
-    <p:extLst>
-      <p:ext uri="{BB962C8B-B14F-4D97-AF65-F5344CB8AC3E}">
-        <p14:creationId xmlns:p14="http://schemas.microsoft.com/office/powerpoint/2010/main" val="4160818307"/>
-      </p:ext>
-    </p:extLst>
-  </p:cSld>
-  <p:clrMapOvr>
-    <a:masterClrMapping/>
-  </p:clrMapOvr>
-  <p:timing>
-    <p:tnLst>
-      <p:par>
-        <p:cTn xmlns:p14="http://schemas.microsoft.com/office/powerpoint/2010/main" id="1" dur="indefinite" restart="never" nodeType="tmRoot"/>
-      </p:par>
-    </p:tnLst>
-  </p:timing>
-</p:sld>
-</file>
-
-<file path=ppt/slides/slide8.xml><?xml version="1.0" encoding="utf-8"?>
-<p:sld xmlns:a="http://schemas.openxmlformats.org/drawingml/2006/main" xmlns:r="http://schemas.openxmlformats.org/officeDocument/2006/relationships" xmlns:p="http://schemas.openxmlformats.org/presentationml/2006/main">
-  <p:cSld>
-    <p:spTree>
-      <p:nvGrpSpPr>
-        <p:cNvPr id="1" name=""/>
-        <p:cNvGrpSpPr/>
-        <p:nvPr/>
-      </p:nvGrpSpPr>
-      <p:grpSpPr>
-        <a:xfrm>
-          <a:off x="0" y="0"/>
-          <a:ext cx="0" cy="0"/>
-          <a:chOff x="0" y="0"/>
-          <a:chExt cx="0" cy="0"/>
-        </a:xfrm>
-      </p:grpSpPr>
-      <p:sp>
-        <p:nvSpPr>
-          <p:cNvPr id="2" name="标题 1"/>
-          <p:cNvSpPr>
-            <a:spLocks noGrp="1"/>
-          </p:cNvSpPr>
-          <p:nvPr>
-            <p:ph type="ctrTitle"/>
-          </p:nvPr>
-        </p:nvSpPr>
-        <p:spPr>
-          <a:xfrm>
-            <a:off x="536034" y="243991"/>
-            <a:ext cx="7772400" cy="1102519"/>
-          </a:xfrm>
-        </p:spPr>
-        <p:txBody>
-          <a:bodyPr/>
-          <a:lstStyle/>
-          <a:p>
-            <a:r>
-              <a:rPr kumimoji="1" lang="zh-CN" altLang="en-US" dirty="0" smtClean="0"/>
-              <a:t>要讲些什么</a:t>
-            </a:r>
-            <a:endParaRPr kumimoji="1" lang="zh-CN" altLang="en-US" dirty="0"/>
-          </a:p>
-        </p:txBody>
-      </p:sp>
-      <p:sp>
-        <p:nvSpPr>
-          <p:cNvPr id="5" name="标题 1"/>
-          <p:cNvSpPr txBox="1">
-            <a:spLocks/>
-          </p:cNvSpPr>
-          <p:nvPr/>
-        </p:nvSpPr>
-        <p:spPr>
-          <a:xfrm>
-            <a:off x="688434" y="1509580"/>
-            <a:ext cx="7772400" cy="3378580"/>
-          </a:xfrm>
-          <a:prstGeom prst="rect">
-            <a:avLst/>
-          </a:prstGeom>
-        </p:spPr>
-        <p:txBody>
-          <a:bodyPr vert="horz" lIns="91440" tIns="45720" rIns="91440" bIns="45720" rtlCol="0" anchor="ctr">
-            <a:normAutofit fontScale="85000" lnSpcReduction="10000"/>
-          </a:bodyPr>
-          <a:lstStyle>
-            <a:lvl1pPr algn="ctr" defTabSz="457200" rtl="0" eaLnBrk="1" latinLnBrk="0" hangingPunct="1">
-              <a:spcBef>
-                <a:spcPct val="0"/>
-              </a:spcBef>
-              <a:buNone/>
-              <a:defRPr sz="4400" kern="1200">
-                <a:solidFill>
-                  <a:schemeClr val="tx1"/>
-                </a:solidFill>
-                <a:latin typeface="+mj-lt"/>
-                <a:ea typeface="+mj-ea"/>
-                <a:cs typeface="+mj-cs"/>
-              </a:defRPr>
-            </a:lvl1pPr>
-          </a:lstStyle>
-          <a:p>
             <a:pPr marL="285750" indent="-285750" algn="l">
               <a:buFont typeface="Wingdings" charset="2"/>
               <a:buChar char="Ø"/>
@@ -4732,11 +4499,7 @@
             </a:r>
             <a:r>
               <a:rPr kumimoji="1" lang="zh-CN" altLang="en-US" sz="1800" dirty="0" smtClean="0"/>
-              <a:t>菜单、工具栏</a:t>
-            </a:r>
-            <a:r>
-              <a:rPr kumimoji="1" lang="zh-CN" altLang="en-US" sz="1800" dirty="0" smtClean="0"/>
-              <a:t>等）</a:t>
+              <a:t>菜单、工具栏等）</a:t>
             </a:r>
             <a:endParaRPr kumimoji="1" lang="en-US" altLang="zh-CN" sz="1800" dirty="0" smtClean="0"/>
           </a:p>

--- a/documents/01-初识PyQt5-01-PyQt5简介.pptx
+++ b/documents/01-初识PyQt5-01-PyQt5简介.pptx
@@ -3118,7 +3118,9 @@
         </p:nvSpPr>
         <p:spPr/>
         <p:txBody>
-          <a:bodyPr/>
+          <a:bodyPr>
+            <a:normAutofit/>
+          </a:bodyPr>
           <a:lstStyle/>
           <a:p>
             <a:r>
@@ -3129,7 +3131,82 @@
               <a:rPr kumimoji="1" lang="zh-CN" altLang="en-US" dirty="0" smtClean="0"/>
               <a:t>开发与实战</a:t>
             </a:r>
-            <a:endParaRPr kumimoji="1" lang="zh-CN" altLang="en-US" dirty="0"/>
+            <a:r>
+              <a:rPr kumimoji="1" lang="en-US" altLang="zh-CN" dirty="0" smtClean="0"/>
+              <a:t/>
+            </a:r>
+            <a:br>
+              <a:rPr kumimoji="1" lang="en-US" altLang="zh-CN" dirty="0" smtClean="0"/>
+            </a:br>
+            <a:r>
+              <a:rPr kumimoji="1" lang="en-US" altLang="zh-CN" sz="2200" dirty="0" smtClean="0">
+                <a:solidFill>
+                  <a:srgbClr val="FF0000"/>
+                </a:solidFill>
+              </a:rPr>
+              <a:t>Windows</a:t>
+            </a:r>
+            <a:r>
+              <a:rPr kumimoji="1" lang="zh-CN" altLang="en-US" sz="2200" dirty="0" smtClean="0">
+                <a:solidFill>
+                  <a:srgbClr val="FF0000"/>
+                </a:solidFill>
+              </a:rPr>
+              <a:t>和</a:t>
+            </a:r>
+            <a:r>
+              <a:rPr kumimoji="1" lang="en-US" altLang="zh-CN" sz="2200" dirty="0" smtClean="0">
+                <a:solidFill>
+                  <a:srgbClr val="FF0000"/>
+                </a:solidFill>
+              </a:rPr>
+              <a:t>Mac</a:t>
+            </a:r>
+            <a:r>
+              <a:rPr kumimoji="1" lang="zh-CN" altLang="en-US" sz="2200" dirty="0" smtClean="0">
+                <a:solidFill>
+                  <a:srgbClr val="FF0000"/>
+                </a:solidFill>
+              </a:rPr>
+              <a:t> </a:t>
+            </a:r>
+            <a:r>
+              <a:rPr kumimoji="1" lang="en-US" altLang="zh-CN" sz="2200" dirty="0" smtClean="0">
+                <a:solidFill>
+                  <a:srgbClr val="FF0000"/>
+                </a:solidFill>
+              </a:rPr>
+              <a:t>OS</a:t>
+            </a:r>
+            <a:r>
+              <a:rPr kumimoji="1" lang="zh-CN" altLang="en-US" sz="2200" dirty="0" smtClean="0">
+                <a:solidFill>
+                  <a:srgbClr val="FF0000"/>
+                </a:solidFill>
+              </a:rPr>
+              <a:t> </a:t>
+            </a:r>
+            <a:r>
+              <a:rPr kumimoji="1" lang="en-US" altLang="zh-CN" sz="2200" dirty="0" smtClean="0">
+                <a:solidFill>
+                  <a:srgbClr val="FF0000"/>
+                </a:solidFill>
+              </a:rPr>
+              <a:t>X</a:t>
+            </a:r>
+            <a:r>
+              <a:rPr kumimoji="1" lang="zh-CN" altLang="en-US" sz="2200" dirty="0" smtClean="0">
+                <a:solidFill>
+                  <a:srgbClr val="FF0000"/>
+                </a:solidFill>
+              </a:rPr>
+              <a:t>双系统演示</a:t>
+            </a:r>
+            <a:endParaRPr kumimoji="1" lang="zh-CN" altLang="en-US" sz="2200" dirty="0">
+              <a:solidFill>
+                <a:srgbClr val="FF0000"/>
+              </a:solidFill>
+            </a:endParaRPr>
           </a:p>
         </p:txBody>
       </p:sp>
@@ -3650,11 +3727,7 @@
             </a:r>
             <a:r>
               <a:rPr kumimoji="1" lang="zh-CN" altLang="en-US" sz="1800" dirty="0" smtClean="0"/>
-              <a:t>业务</a:t>
-            </a:r>
-            <a:r>
-              <a:rPr kumimoji="1" lang="zh-CN" altLang="en-US" sz="1800" dirty="0" smtClean="0"/>
-              <a:t>。</a:t>
+              <a:t>业务。</a:t>
             </a:r>
             <a:endParaRPr kumimoji="1" lang="en-US" altLang="zh-CN" sz="1800" dirty="0" smtClean="0"/>
           </a:p>
@@ -4227,7 +4300,19 @@
             </a:r>
             <a:r>
               <a:rPr kumimoji="1" lang="zh-CN" altLang="en-US" sz="1800" dirty="0" smtClean="0"/>
-              <a:t>应用和移动应用强了风头。尽管</a:t>
+              <a:t>应用和移动应用</a:t>
+            </a:r>
+            <a:r>
+              <a:rPr kumimoji="1" lang="zh-CN" altLang="en-US" sz="1800" dirty="0" smtClean="0"/>
+              <a:t>抢</a:t>
+            </a:r>
+            <a:r>
+              <a:rPr kumimoji="1" lang="zh-CN" altLang="en-US" sz="1800" dirty="0" smtClean="0"/>
+              <a:t>了风头</a:t>
+            </a:r>
+            <a:r>
+              <a:rPr kumimoji="1" lang="zh-CN" altLang="en-US" sz="1800" dirty="0" smtClean="0"/>
+              <a:t>。尽管</a:t>
             </a:r>
             <a:r>
               <a:rPr kumimoji="1" lang="en-US" altLang="zh-CN" sz="1800" dirty="0" smtClean="0"/>
